--- a/AES/AES - Nhóm 18.pptx
+++ b/AES/AES - Nhóm 18.pptx
@@ -1425,7 +1425,7 @@
           <a:p>
             <a:fld id="{C1457A28-4383-4460-8068-8E06BC9B31AA}" type="datetimeFigureOut">
               <a:rPr lang="en-US" smtClean="0"/>
-              <a:t>3/31/2023</a:t>
+              <a:t>4/26/2023</a:t>
             </a:fld>
             <a:endParaRPr lang="en-US"/>
           </a:p>
@@ -1623,7 +1623,7 @@
           <a:p>
             <a:fld id="{C1457A28-4383-4460-8068-8E06BC9B31AA}" type="datetimeFigureOut">
               <a:rPr lang="en-US" smtClean="0"/>
-              <a:t>3/31/2023</a:t>
+              <a:t>4/26/2023</a:t>
             </a:fld>
             <a:endParaRPr lang="en-US"/>
           </a:p>
@@ -1831,7 +1831,7 @@
           <a:p>
             <a:fld id="{C1457A28-4383-4460-8068-8E06BC9B31AA}" type="datetimeFigureOut">
               <a:rPr lang="en-US" smtClean="0"/>
-              <a:t>3/31/2023</a:t>
+              <a:t>4/26/2023</a:t>
             </a:fld>
             <a:endParaRPr lang="en-US"/>
           </a:p>
@@ -2029,7 +2029,7 @@
           <a:p>
             <a:fld id="{C1457A28-4383-4460-8068-8E06BC9B31AA}" type="datetimeFigureOut">
               <a:rPr lang="en-US" smtClean="0"/>
-              <a:t>3/31/2023</a:t>
+              <a:t>4/26/2023</a:t>
             </a:fld>
             <a:endParaRPr lang="en-US"/>
           </a:p>
@@ -2304,7 +2304,7 @@
           <a:p>
             <a:fld id="{C1457A28-4383-4460-8068-8E06BC9B31AA}" type="datetimeFigureOut">
               <a:rPr lang="en-US" smtClean="0"/>
-              <a:t>3/31/2023</a:t>
+              <a:t>4/26/2023</a:t>
             </a:fld>
             <a:endParaRPr lang="en-US"/>
           </a:p>
@@ -2569,7 +2569,7 @@
           <a:p>
             <a:fld id="{C1457A28-4383-4460-8068-8E06BC9B31AA}" type="datetimeFigureOut">
               <a:rPr lang="en-US" smtClean="0"/>
-              <a:t>3/31/2023</a:t>
+              <a:t>4/26/2023</a:t>
             </a:fld>
             <a:endParaRPr lang="en-US"/>
           </a:p>
@@ -2981,7 +2981,7 @@
           <a:p>
             <a:fld id="{C1457A28-4383-4460-8068-8E06BC9B31AA}" type="datetimeFigureOut">
               <a:rPr lang="en-US" smtClean="0"/>
-              <a:t>3/31/2023</a:t>
+              <a:t>4/26/2023</a:t>
             </a:fld>
             <a:endParaRPr lang="en-US"/>
           </a:p>
@@ -3122,7 +3122,7 @@
           <a:p>
             <a:fld id="{C1457A28-4383-4460-8068-8E06BC9B31AA}" type="datetimeFigureOut">
               <a:rPr lang="en-US" smtClean="0"/>
-              <a:t>3/31/2023</a:t>
+              <a:t>4/26/2023</a:t>
             </a:fld>
             <a:endParaRPr lang="en-US"/>
           </a:p>
@@ -3235,7 +3235,7 @@
           <a:p>
             <a:fld id="{C1457A28-4383-4460-8068-8E06BC9B31AA}" type="datetimeFigureOut">
               <a:rPr lang="en-US" smtClean="0"/>
-              <a:t>3/31/2023</a:t>
+              <a:t>4/26/2023</a:t>
             </a:fld>
             <a:endParaRPr lang="en-US"/>
           </a:p>
@@ -3546,7 +3546,7 @@
           <a:p>
             <a:fld id="{C1457A28-4383-4460-8068-8E06BC9B31AA}" type="datetimeFigureOut">
               <a:rPr lang="en-US" smtClean="0"/>
-              <a:t>3/31/2023</a:t>
+              <a:t>4/26/2023</a:t>
             </a:fld>
             <a:endParaRPr lang="en-US"/>
           </a:p>
@@ -3834,7 +3834,7 @@
           <a:p>
             <a:fld id="{C1457A28-4383-4460-8068-8E06BC9B31AA}" type="datetimeFigureOut">
               <a:rPr lang="en-US" smtClean="0"/>
-              <a:t>3/31/2023</a:t>
+              <a:t>4/26/2023</a:t>
             </a:fld>
             <a:endParaRPr lang="en-US"/>
           </a:p>
@@ -4075,7 +4075,7 @@
           <a:p>
             <a:fld id="{C1457A28-4383-4460-8068-8E06BC9B31AA}" type="datetimeFigureOut">
               <a:rPr lang="en-US" smtClean="0"/>
-              <a:t>3/31/2023</a:t>
+              <a:t>4/26/2023</a:t>
             </a:fld>
             <a:endParaRPr lang="en-US"/>
           </a:p>
@@ -4492,68 +4492,6 @@
           <a:chExt cx="0" cy="0"/>
         </a:xfrm>
       </p:grpSpPr>
-      <p:sp>
-        <p:nvSpPr>
-          <p:cNvPr id="4" name="Rectangle 3">
-            <a:extLst>
-              <a:ext uri="{FF2B5EF4-FFF2-40B4-BE49-F238E27FC236}">
-                <a16:creationId xmlns:a16="http://schemas.microsoft.com/office/drawing/2014/main" id="{80DE5B27-ACD1-4B9F-3EAA-D2DC85D1299E}"/>
-              </a:ext>
-            </a:extLst>
-          </p:cNvPr>
-          <p:cNvSpPr/>
-          <p:nvPr/>
-        </p:nvSpPr>
-        <p:spPr>
-          <a:xfrm>
-            <a:off x="0" y="0"/>
-            <a:ext cx="12192000" cy="6858000"/>
-          </a:xfrm>
-          <a:prstGeom prst="rect">
-            <a:avLst/>
-          </a:prstGeom>
-          <a:solidFill>
-            <a:schemeClr val="bg1">
-              <a:alpha val="95000"/>
-            </a:schemeClr>
-          </a:solidFill>
-          <a:ln>
-            <a:noFill/>
-          </a:ln>
-        </p:spPr>
-        <p:style>
-          <a:lnRef idx="2">
-            <a:schemeClr val="accent1">
-              <a:shade val="50000"/>
-            </a:schemeClr>
-          </a:lnRef>
-          <a:fillRef idx="1">
-            <a:schemeClr val="accent1"/>
-          </a:fillRef>
-          <a:effectRef idx="0">
-            <a:schemeClr val="accent1"/>
-          </a:effectRef>
-          <a:fontRef idx="minor">
-            <a:schemeClr val="lt1"/>
-          </a:fontRef>
-        </p:style>
-        <p:txBody>
-          <a:bodyPr anchor="ctr"/>
-          <a:lstStyle/>
-          <a:p>
-            <a:pPr algn="ctr" eaLnBrk="1" fontAlgn="auto" hangingPunct="1">
-              <a:spcBef>
-                <a:spcPts val="0"/>
-              </a:spcBef>
-              <a:spcAft>
-                <a:spcPts val="0"/>
-              </a:spcAft>
-              <a:defRPr/>
-            </a:pPr>
-            <a:endParaRPr lang="en-US"/>
-          </a:p>
-        </p:txBody>
-      </p:sp>
       <p:sp>
         <p:nvSpPr>
           <p:cNvPr id="5" name="Freeform: Shape 4">
@@ -5956,95 +5894,6 @@
       </p:sp>
       <p:sp>
         <p:nvSpPr>
-          <p:cNvPr id="15" name="TextBox 14">
-            <a:extLst>
-              <a:ext uri="{FF2B5EF4-FFF2-40B4-BE49-F238E27FC236}">
-                <a16:creationId xmlns:a16="http://schemas.microsoft.com/office/drawing/2014/main" id="{918D347B-BCA8-ED50-8E25-EA185B6DAF02}"/>
-              </a:ext>
-            </a:extLst>
-          </p:cNvPr>
-          <p:cNvSpPr txBox="1"/>
-          <p:nvPr/>
-        </p:nvSpPr>
-        <p:spPr bwMode="auto">
-          <a:xfrm>
-            <a:off x="4905639" y="1324473"/>
-            <a:ext cx="7703695" cy="1323438"/>
-          </a:xfrm>
-          <a:prstGeom prst="rect">
-            <a:avLst/>
-          </a:prstGeom>
-          <a:noFill/>
-        </p:spPr>
-        <p:txBody>
-          <a:bodyPr wrap="square">
-            <a:spAutoFit/>
-          </a:bodyPr>
-          <a:lstStyle/>
-          <a:p>
-            <a:pPr eaLnBrk="1" fontAlgn="auto" hangingPunct="1">
-              <a:spcBef>
-                <a:spcPts val="0"/>
-              </a:spcBef>
-              <a:spcAft>
-                <a:spcPts val="0"/>
-              </a:spcAft>
-              <a:defRPr/>
-            </a:pPr>
-            <a:r>
-              <a:rPr lang="en-US" sz="8000" b="1">
-                <a:gradFill>
-                  <a:gsLst>
-                    <a:gs pos="0">
-                      <a:schemeClr val="accent1"/>
-                    </a:gs>
-                    <a:gs pos="100000">
-                      <a:schemeClr val="accent1">
-                        <a:lumMod val="50000"/>
-                      </a:schemeClr>
-                    </a:gs>
-                  </a:gsLst>
-                  <a:lin ang="5400000" scaled="1"/>
-                </a:gradFill>
-                <a:effectLst>
-                  <a:outerShdw blurRad="114300" sx="102000" sy="102000" algn="ctr" rotWithShape="0">
-                    <a:prstClr val="black">
-                      <a:alpha val="23000"/>
-                    </a:prstClr>
-                  </a:outerShdw>
-                </a:effectLst>
-                <a:latin typeface="Patrick Hand" panose="00000500000000000000" pitchFamily="2" charset="0"/>
-              </a:rPr>
-              <a:t>An toàn bảo mật</a:t>
-            </a:r>
-            <a:endParaRPr lang="id-ID" sz="8000" b="1" dirty="0">
-              <a:gradFill>
-                <a:gsLst>
-                  <a:gs pos="0">
-                    <a:schemeClr val="accent1"/>
-                  </a:gs>
-                  <a:gs pos="100000">
-                    <a:schemeClr val="accent1">
-                      <a:lumMod val="50000"/>
-                    </a:schemeClr>
-                  </a:gs>
-                </a:gsLst>
-                <a:lin ang="5400000" scaled="1"/>
-              </a:gradFill>
-              <a:effectLst>
-                <a:outerShdw blurRad="114300" sx="102000" sy="102000" algn="ctr" rotWithShape="0">
-                  <a:prstClr val="black">
-                    <a:alpha val="23000"/>
-                  </a:prstClr>
-                </a:outerShdw>
-              </a:effectLst>
-              <a:latin typeface="Patrick Hand" panose="00000500000000000000" pitchFamily="2" charset="0"/>
-            </a:endParaRPr>
-          </a:p>
-        </p:txBody>
-      </p:sp>
-      <p:sp>
-        <p:nvSpPr>
           <p:cNvPr id="17" name="Rectangle 16">
             <a:extLst>
               <a:ext uri="{FF2B5EF4-FFF2-40B4-BE49-F238E27FC236}">
@@ -11876,6 +11725,95 @@
           </p:txBody>
         </p:sp>
       </p:grpSp>
+      <p:sp>
+        <p:nvSpPr>
+          <p:cNvPr id="3" name="TextBox 2">
+            <a:extLst>
+              <a:ext uri="{FF2B5EF4-FFF2-40B4-BE49-F238E27FC236}">
+                <a16:creationId xmlns:a16="http://schemas.microsoft.com/office/drawing/2014/main" id="{837D3EBD-497E-FF9C-8F96-25E1D4066608}"/>
+              </a:ext>
+            </a:extLst>
+          </p:cNvPr>
+          <p:cNvSpPr txBox="1"/>
+          <p:nvPr/>
+        </p:nvSpPr>
+        <p:spPr>
+          <a:xfrm>
+            <a:off x="4918948" y="1448350"/>
+            <a:ext cx="6099048" cy="1200329"/>
+          </a:xfrm>
+          <a:prstGeom prst="rect">
+            <a:avLst/>
+          </a:prstGeom>
+          <a:noFill/>
+        </p:spPr>
+        <p:txBody>
+          <a:bodyPr wrap="square">
+            <a:spAutoFit/>
+          </a:bodyPr>
+          <a:lstStyle/>
+          <a:p>
+            <a:pPr eaLnBrk="1" fontAlgn="auto" hangingPunct="1">
+              <a:spcBef>
+                <a:spcPts val="0"/>
+              </a:spcBef>
+              <a:spcAft>
+                <a:spcPts val="0"/>
+              </a:spcAft>
+              <a:defRPr/>
+            </a:pPr>
+            <a:r>
+              <a:rPr lang="en-US" sz="7200" b="1">
+                <a:gradFill>
+                  <a:gsLst>
+                    <a:gs pos="0">
+                      <a:schemeClr val="accent1"/>
+                    </a:gs>
+                    <a:gs pos="100000">
+                      <a:schemeClr val="accent1">
+                        <a:lumMod val="50000"/>
+                      </a:schemeClr>
+                    </a:gs>
+                  </a:gsLst>
+                  <a:lin ang="5400000" scaled="1"/>
+                </a:gradFill>
+                <a:effectLst>
+                  <a:outerShdw blurRad="114300" sx="102000" sy="102000" algn="ctr" rotWithShape="0">
+                    <a:prstClr val="black">
+                      <a:alpha val="23000"/>
+                    </a:prstClr>
+                  </a:outerShdw>
+                </a:effectLst>
+                <a:latin typeface="Patrick Hand" panose="00000500000000000000" pitchFamily="2" charset="0"/>
+              </a:rPr>
+              <a:t>An toàn bảo mật</a:t>
+            </a:r>
+            <a:endParaRPr lang="id-ID" sz="7200" b="1" dirty="0">
+              <a:gradFill>
+                <a:gsLst>
+                  <a:gs pos="0">
+                    <a:schemeClr val="accent1"/>
+                  </a:gs>
+                  <a:gs pos="100000">
+                    <a:schemeClr val="accent1">
+                      <a:lumMod val="50000"/>
+                    </a:schemeClr>
+                  </a:gs>
+                </a:gsLst>
+                <a:lin ang="5400000" scaled="1"/>
+              </a:gradFill>
+              <a:effectLst>
+                <a:outerShdw blurRad="114300" sx="102000" sy="102000" algn="ctr" rotWithShape="0">
+                  <a:prstClr val="black">
+                    <a:alpha val="23000"/>
+                  </a:prstClr>
+                </a:outerShdw>
+              </a:effectLst>
+              <a:latin typeface="Patrick Hand" panose="00000500000000000000" pitchFamily="2" charset="0"/>
+            </a:endParaRPr>
+          </a:p>
+        </p:txBody>
+      </p:sp>
     </p:spTree>
     <p:extLst>
       <p:ext uri="{BB962C8B-B14F-4D97-AF65-F5344CB8AC3E}">
@@ -11977,96 +11915,6 @@
                 </a:schemeClr>
               </a:solidFill>
               <a:latin typeface="Patrick Hand" panose="00000500000000000000" pitchFamily="2" charset="0"/>
-            </a:endParaRPr>
-          </a:p>
-        </p:txBody>
-      </p:sp>
-      <p:sp>
-        <p:nvSpPr>
-          <p:cNvPr id="5" name="TextBox 4">
-            <a:extLst>
-              <a:ext uri="{FF2B5EF4-FFF2-40B4-BE49-F238E27FC236}">
-                <a16:creationId xmlns:a16="http://schemas.microsoft.com/office/drawing/2014/main" id="{5E230B96-CC55-3E80-37B2-9DF989D0634A}"/>
-              </a:ext>
-            </a:extLst>
-          </p:cNvPr>
-          <p:cNvSpPr txBox="1"/>
-          <p:nvPr/>
-        </p:nvSpPr>
-        <p:spPr>
-          <a:xfrm>
-            <a:off x="516731" y="798328"/>
-            <a:ext cx="10949128" cy="883255"/>
-          </a:xfrm>
-          <a:prstGeom prst="rect">
-            <a:avLst/>
-          </a:prstGeom>
-          <a:noFill/>
-        </p:spPr>
-        <p:txBody>
-          <a:bodyPr wrap="square">
-            <a:spAutoFit/>
-          </a:bodyPr>
-          <a:lstStyle/>
-          <a:p>
-            <a:pPr marL="180340" algn="just">
-              <a:lnSpc>
-                <a:spcPct val="150000"/>
-              </a:lnSpc>
-              <a:spcAft>
-                <a:spcPts val="800"/>
-              </a:spcAft>
-            </a:pPr>
-            <a:r>
-              <a:rPr lang="en-US" sz="1800">
-                <a:effectLst/>
-                <a:latin typeface="Patrick Hand" panose="00000500000000000000" pitchFamily="2" charset="0"/>
-                <a:ea typeface="Calibri" panose="020F0502020204030204" pitchFamily="34" charset="0"/>
-                <a:cs typeface="Times New Roman" panose="02020603050405020304" pitchFamily="18" charset="0"/>
-              </a:rPr>
-              <a:t>Đầu tiên, chúng ta có khoá đầu vào là </a:t>
-            </a:r>
-            <a:r>
-              <a:rPr lang="en-US" sz="1800" b="1">
-                <a:effectLst/>
-                <a:latin typeface="Patrick Hand" panose="00000500000000000000" pitchFamily="2" charset="0"/>
-                <a:ea typeface="Calibri" panose="020F0502020204030204" pitchFamily="34" charset="0"/>
-                <a:cs typeface="Times New Roman" panose="02020603050405020304" pitchFamily="18" charset="0"/>
-              </a:rPr>
-              <a:t>Khoá K</a:t>
-            </a:r>
-            <a:r>
-              <a:rPr lang="en-US" sz="1800">
-                <a:effectLst/>
-                <a:latin typeface="Patrick Hand" panose="00000500000000000000" pitchFamily="2" charset="0"/>
-                <a:ea typeface="Calibri" panose="020F0502020204030204" pitchFamily="34" charset="0"/>
-                <a:cs typeface="Times New Roman" panose="02020603050405020304" pitchFamily="18" charset="0"/>
-              </a:rPr>
-              <a:t> có M bit với ba giá trị là (128-bit, 192-bit và 256-bit). </a:t>
-            </a:r>
-            <a:r>
-              <a:rPr lang="en-US" sz="1800" b="1">
-                <a:effectLst/>
-                <a:latin typeface="Patrick Hand" panose="00000500000000000000" pitchFamily="2" charset="0"/>
-                <a:ea typeface="Calibri" panose="020F0502020204030204" pitchFamily="34" charset="0"/>
-                <a:cs typeface="Times New Roman" panose="02020603050405020304" pitchFamily="18" charset="0"/>
-              </a:rPr>
-              <a:t>Input </a:t>
-            </a:r>
-            <a:r>
-              <a:rPr lang="en-US" sz="1800">
-                <a:effectLst/>
-                <a:latin typeface="Patrick Hand" panose="00000500000000000000" pitchFamily="2" charset="0"/>
-                <a:ea typeface="Calibri" panose="020F0502020204030204" pitchFamily="34" charset="0"/>
-                <a:cs typeface="Times New Roman" panose="02020603050405020304" pitchFamily="18" charset="0"/>
-              </a:rPr>
-              <a:t>là dữ liệu cần được mã hoá, dữ liệu nhập vào sẽ ở 128-bit.</a:t>
-            </a:r>
-            <a:endParaRPr lang="en-US" sz="1400">
-              <a:effectLst/>
-              <a:latin typeface="Patrick Hand" panose="00000500000000000000" pitchFamily="2" charset="0"/>
-              <a:ea typeface="Calibri" panose="020F0502020204030204" pitchFamily="34" charset="0"/>
-              <a:cs typeface="Times New Roman" panose="02020603050405020304" pitchFamily="18" charset="0"/>
             </a:endParaRPr>
           </a:p>
         </p:txBody>
@@ -12255,6 +12103,96 @@
               <a:effectLst/>
               <a:latin typeface="Patrick Hand" panose="00000500000000000000" pitchFamily="2" charset="0"/>
               <a:ea typeface="Times New Roman" panose="02020603050405020304" pitchFamily="18" charset="0"/>
+            </a:endParaRPr>
+          </a:p>
+        </p:txBody>
+      </p:sp>
+      <p:sp>
+        <p:nvSpPr>
+          <p:cNvPr id="3" name="TextBox 2">
+            <a:extLst>
+              <a:ext uri="{FF2B5EF4-FFF2-40B4-BE49-F238E27FC236}">
+                <a16:creationId xmlns:a16="http://schemas.microsoft.com/office/drawing/2014/main" id="{2A837A98-4102-B9D0-90A6-B4BA57B6FCDF}"/>
+              </a:ext>
+            </a:extLst>
+          </p:cNvPr>
+          <p:cNvSpPr txBox="1"/>
+          <p:nvPr/>
+        </p:nvSpPr>
+        <p:spPr>
+          <a:xfrm>
+            <a:off x="516731" y="793652"/>
+            <a:ext cx="10949126" cy="883255"/>
+          </a:xfrm>
+          <a:prstGeom prst="rect">
+            <a:avLst/>
+          </a:prstGeom>
+          <a:noFill/>
+        </p:spPr>
+        <p:txBody>
+          <a:bodyPr wrap="square">
+            <a:spAutoFit/>
+          </a:bodyPr>
+          <a:lstStyle/>
+          <a:p>
+            <a:pPr marL="180340" algn="just">
+              <a:lnSpc>
+                <a:spcPct val="150000"/>
+              </a:lnSpc>
+              <a:spcAft>
+                <a:spcPts val="800"/>
+              </a:spcAft>
+            </a:pPr>
+            <a:r>
+              <a:rPr lang="en-US" sz="1800">
+                <a:effectLst/>
+                <a:latin typeface="Patrick Hand" panose="00000500000000000000" pitchFamily="2" charset="0"/>
+                <a:ea typeface="Calibri" panose="020F0502020204030204" pitchFamily="34" charset="0"/>
+                <a:cs typeface="Times New Roman" panose="02020603050405020304" pitchFamily="18" charset="0"/>
+              </a:rPr>
+              <a:t>Đầu tiên, chúng ta có khoá đầu vào là </a:t>
+            </a:r>
+            <a:r>
+              <a:rPr lang="en-US" sz="1800" b="1">
+                <a:effectLst/>
+                <a:latin typeface="Patrick Hand" panose="00000500000000000000" pitchFamily="2" charset="0"/>
+                <a:ea typeface="Calibri" panose="020F0502020204030204" pitchFamily="34" charset="0"/>
+                <a:cs typeface="Times New Roman" panose="02020603050405020304" pitchFamily="18" charset="0"/>
+              </a:rPr>
+              <a:t>Khoá K</a:t>
+            </a:r>
+            <a:r>
+              <a:rPr lang="en-US" sz="1800">
+                <a:effectLst/>
+                <a:latin typeface="Patrick Hand" panose="00000500000000000000" pitchFamily="2" charset="0"/>
+                <a:ea typeface="Calibri" panose="020F0502020204030204" pitchFamily="34" charset="0"/>
+                <a:cs typeface="Times New Roman" panose="02020603050405020304" pitchFamily="18" charset="0"/>
+              </a:rPr>
+              <a:t> có M bit với ba giá trị là (128-bit, 192-bit và 256-bit). </a:t>
+            </a:r>
+            <a:r>
+              <a:rPr lang="en-US" sz="1800" b="1">
+                <a:effectLst/>
+                <a:latin typeface="Patrick Hand" panose="00000500000000000000" pitchFamily="2" charset="0"/>
+                <a:ea typeface="Calibri" panose="020F0502020204030204" pitchFamily="34" charset="0"/>
+                <a:cs typeface="Times New Roman" panose="02020603050405020304" pitchFamily="18" charset="0"/>
+              </a:rPr>
+              <a:t>Input </a:t>
+            </a:r>
+            <a:r>
+              <a:rPr lang="en-US" sz="1800">
+                <a:effectLst/>
+                <a:latin typeface="Patrick Hand" panose="00000500000000000000" pitchFamily="2" charset="0"/>
+                <a:ea typeface="Calibri" panose="020F0502020204030204" pitchFamily="34" charset="0"/>
+                <a:cs typeface="Times New Roman" panose="02020603050405020304" pitchFamily="18" charset="0"/>
+              </a:rPr>
+              <a:t>là dữ liệu cần được mã hoá, dữ liệu nhập vào sẽ ở 128-bit.</a:t>
+            </a:r>
+            <a:endParaRPr lang="en-US" sz="1400">
+              <a:effectLst/>
+              <a:latin typeface="Patrick Hand" panose="00000500000000000000" pitchFamily="2" charset="0"/>
+              <a:ea typeface="Calibri" panose="020F0502020204030204" pitchFamily="34" charset="0"/>
+              <a:cs typeface="Times New Roman" panose="02020603050405020304" pitchFamily="18" charset="0"/>
             </a:endParaRPr>
           </a:p>
         </p:txBody>
@@ -13101,8 +13039,8 @@
           </a:p>
         </p:txBody>
       </p:sp>
-      <mc:AlternateContent xmlns:mc="http://schemas.openxmlformats.org/markup-compatibility/2006">
-        <mc:Choice xmlns:p14="http://schemas.microsoft.com/office/powerpoint/2010/main" Requires="p14">
+      <mc:AlternateContent xmlns:mc="http://schemas.openxmlformats.org/markup-compatibility/2006" xmlns:p14="http://schemas.microsoft.com/office/powerpoint/2010/main">
+        <mc:Choice Requires="p14">
           <p:contentPart p14:bwMode="auto" r:id="rId2">
             <p14:nvContentPartPr>
               <p14:cNvPr id="25" name="Ink 24">
@@ -13121,7 +13059,7 @@
             </p14:xfrm>
           </p:contentPart>
         </mc:Choice>
-        <mc:Fallback>
+        <mc:Fallback xmlns="">
           <p:pic>
             <p:nvPicPr>
               <p:cNvPr id="25" name="Ink 24">
@@ -20934,68 +20872,6 @@
       </p:grpSpPr>
       <p:sp>
         <p:nvSpPr>
-          <p:cNvPr id="4" name="Rectangle 3">
-            <a:extLst>
-              <a:ext uri="{FF2B5EF4-FFF2-40B4-BE49-F238E27FC236}">
-                <a16:creationId xmlns:a16="http://schemas.microsoft.com/office/drawing/2014/main" id="{B34056B7-4645-35F4-5FCE-994ED1744535}"/>
-              </a:ext>
-            </a:extLst>
-          </p:cNvPr>
-          <p:cNvSpPr/>
-          <p:nvPr/>
-        </p:nvSpPr>
-        <p:spPr>
-          <a:xfrm>
-            <a:off x="0" y="0"/>
-            <a:ext cx="12192000" cy="6858000"/>
-          </a:xfrm>
-          <a:prstGeom prst="rect">
-            <a:avLst/>
-          </a:prstGeom>
-          <a:solidFill>
-            <a:schemeClr val="bg1">
-              <a:alpha val="95000"/>
-            </a:schemeClr>
-          </a:solidFill>
-          <a:ln>
-            <a:noFill/>
-          </a:ln>
-        </p:spPr>
-        <p:style>
-          <a:lnRef idx="2">
-            <a:schemeClr val="accent1">
-              <a:shade val="50000"/>
-            </a:schemeClr>
-          </a:lnRef>
-          <a:fillRef idx="1">
-            <a:schemeClr val="accent1"/>
-          </a:fillRef>
-          <a:effectRef idx="0">
-            <a:schemeClr val="accent1"/>
-          </a:effectRef>
-          <a:fontRef idx="minor">
-            <a:schemeClr val="lt1"/>
-          </a:fontRef>
-        </p:style>
-        <p:txBody>
-          <a:bodyPr anchor="ctr"/>
-          <a:lstStyle/>
-          <a:p>
-            <a:pPr algn="ctr" eaLnBrk="1" fontAlgn="auto" hangingPunct="1">
-              <a:spcBef>
-                <a:spcPts val="0"/>
-              </a:spcBef>
-              <a:spcAft>
-                <a:spcPts val="0"/>
-              </a:spcAft>
-              <a:defRPr/>
-            </a:pPr>
-            <a:endParaRPr lang="en-US"/>
-          </a:p>
-        </p:txBody>
-      </p:sp>
-      <p:sp>
-        <p:nvSpPr>
           <p:cNvPr id="5" name="Freeform: Shape 4">
             <a:extLst>
               <a:ext uri="{FF2B5EF4-FFF2-40B4-BE49-F238E27FC236}">
@@ -22410,10 +22286,10 @@
         </p:nvGrpSpPr>
         <p:grpSpPr bwMode="auto">
           <a:xfrm>
-            <a:off x="5604511" y="2283902"/>
-            <a:ext cx="4855045" cy="2490061"/>
-            <a:chOff x="5604753" y="1969582"/>
-            <a:chExt cx="4854245" cy="1292818"/>
+            <a:off x="4711078" y="628475"/>
+            <a:ext cx="4675079" cy="3084306"/>
+            <a:chOff x="4711468" y="1110099"/>
+            <a:chExt cx="4674309" cy="1601345"/>
           </a:xfrm>
         </p:grpSpPr>
         <p:sp>
@@ -22430,8 +22306,8 @@
           </p:nvSpPr>
           <p:spPr>
             <a:xfrm>
-              <a:off x="5604753" y="1969582"/>
-              <a:ext cx="4263606" cy="966759"/>
+              <a:off x="4720064" y="1110099"/>
+              <a:ext cx="3332415" cy="687118"/>
             </a:xfrm>
             <a:prstGeom prst="rect">
               <a:avLst/>
@@ -22454,7 +22330,7 @@
                 <a:defRPr/>
               </a:pPr>
               <a:r>
-                <a:rPr lang="vi-VN" sz="11500" b="1">
+                <a:rPr lang="vi-VN" sz="8000" b="1">
                   <a:solidFill>
                     <a:schemeClr val="accent2">
                       <a:lumMod val="75000"/>
@@ -22472,7 +22348,7 @@
                 <a:t>Nhóm</a:t>
               </a:r>
               <a:r>
-                <a:rPr lang="vi-VN" sz="11500" b="1">
+                <a:rPr lang="vi-VN" sz="8000" b="1">
                   <a:solidFill>
                     <a:schemeClr val="bg1"/>
                   </a:solidFill>
@@ -22488,7 +22364,7 @@
                 <a:t> </a:t>
               </a:r>
               <a:r>
-                <a:rPr lang="vi-VN" sz="11500" b="1">
+                <a:rPr lang="en-US" sz="8000" b="1">
                   <a:gradFill>
                     <a:gsLst>
                       <a:gs pos="0">
@@ -22511,9 +22387,9 @@
                   </a:effectLst>
                   <a:latin typeface="Patrick Hand" panose="00000500000000000000" pitchFamily="2" charset="0"/>
                 </a:rPr>
-                <a:t>7</a:t>
+                <a:t>18</a:t>
               </a:r>
-              <a:endParaRPr lang="id-ID" sz="11500" b="1" dirty="0">
+              <a:endParaRPr lang="id-ID" sz="8000" b="1" dirty="0">
                 <a:gradFill>
                   <a:gsLst>
                     <a:gs pos="0">
@@ -22553,7 +22429,7 @@
           </p:nvSpPr>
           <p:spPr>
             <a:xfrm>
-              <a:off x="5784689" y="2830954"/>
+              <a:off x="4711468" y="2279998"/>
               <a:ext cx="4674309" cy="431446"/>
             </a:xfrm>
             <a:prstGeom prst="rect">
@@ -22652,7 +22528,7 @@
         </p:nvSpPr>
         <p:spPr>
           <a:xfrm>
-            <a:off x="4457700" y="3822700"/>
+            <a:off x="4833576" y="2664290"/>
             <a:ext cx="2576513" cy="82550"/>
           </a:xfrm>
           <a:prstGeom prst="rect">
@@ -26588,1889 +26464,95 @@
           </p:txBody>
         </p:sp>
       </p:grpSp>
-      <p:grpSp>
-        <p:nvGrpSpPr>
-          <p:cNvPr id="86" name="Group 85">
+      <p:sp>
+        <p:nvSpPr>
+          <p:cNvPr id="3" name="TextBox 2">
             <a:extLst>
               <a:ext uri="{FF2B5EF4-FFF2-40B4-BE49-F238E27FC236}">
-                <a16:creationId xmlns:a16="http://schemas.microsoft.com/office/drawing/2014/main" id="{D7C96192-8609-99FC-B41B-6E6885854BD7}"/>
+                <a16:creationId xmlns:a16="http://schemas.microsoft.com/office/drawing/2014/main" id="{F171ED79-430B-4DA1-F9AD-C315EDB84E62}"/>
               </a:ext>
             </a:extLst>
           </p:cNvPr>
-          <p:cNvGrpSpPr/>
+          <p:cNvSpPr txBox="1"/>
           <p:nvPr/>
-        </p:nvGrpSpPr>
-        <p:grpSpPr>
+        </p:nvSpPr>
+        <p:spPr>
           <a:xfrm>
-            <a:off x="6144768" y="129720"/>
-            <a:ext cx="2221315" cy="1158071"/>
-            <a:chOff x="6144768" y="129720"/>
-            <a:chExt cx="2221315" cy="1158071"/>
+            <a:off x="4711079" y="1789245"/>
+            <a:ext cx="5227794" cy="707886"/>
           </a:xfrm>
-          <a:solidFill>
-            <a:schemeClr val="bg1">
-              <a:lumMod val="95000"/>
-              <a:alpha val="50000"/>
-            </a:schemeClr>
-          </a:solidFill>
-        </p:grpSpPr>
-        <p:sp>
-          <p:nvSpPr>
-            <p:cNvPr id="87" name="Oval 86">
-              <a:extLst>
-                <a:ext uri="{FF2B5EF4-FFF2-40B4-BE49-F238E27FC236}">
-                  <a16:creationId xmlns:a16="http://schemas.microsoft.com/office/drawing/2014/main" id="{2384B509-5358-C054-74BC-E011D735F151}"/>
-                </a:ext>
-              </a:extLst>
-            </p:cNvPr>
-            <p:cNvSpPr/>
-            <p:nvPr/>
-          </p:nvSpPr>
-          <p:spPr>
-            <a:xfrm>
-              <a:off x="6144768" y="1146048"/>
-              <a:ext cx="141743" cy="141743"/>
-            </a:xfrm>
-            <a:prstGeom prst="ellipse">
-              <a:avLst/>
-            </a:prstGeom>
-            <a:grpFill/>
-            <a:ln>
-              <a:noFill/>
-            </a:ln>
-          </p:spPr>
-          <p:style>
-            <a:lnRef idx="2">
-              <a:schemeClr val="accent1">
-                <a:shade val="50000"/>
-              </a:schemeClr>
-            </a:lnRef>
-            <a:fillRef idx="1">
-              <a:schemeClr val="accent1"/>
-            </a:fillRef>
-            <a:effectRef idx="0">
-              <a:schemeClr val="accent1"/>
-            </a:effectRef>
-            <a:fontRef idx="minor">
-              <a:schemeClr val="lt1"/>
-            </a:fontRef>
-          </p:style>
-          <p:txBody>
-            <a:bodyPr anchor="ctr"/>
-            <a:lstStyle/>
-            <a:p>
-              <a:pPr algn="ctr" eaLnBrk="1" fontAlgn="auto" hangingPunct="1">
-                <a:spcBef>
-                  <a:spcPts val="0"/>
-                </a:spcBef>
-                <a:spcAft>
-                  <a:spcPts val="0"/>
-                </a:spcAft>
-                <a:defRPr/>
-              </a:pPr>
-              <a:endParaRPr lang="en-US"/>
-            </a:p>
-          </p:txBody>
-        </p:sp>
-        <p:sp>
-          <p:nvSpPr>
-            <p:cNvPr id="88" name="Oval 87">
-              <a:extLst>
-                <a:ext uri="{FF2B5EF4-FFF2-40B4-BE49-F238E27FC236}">
-                  <a16:creationId xmlns:a16="http://schemas.microsoft.com/office/drawing/2014/main" id="{91FBE5DD-47E8-105A-703F-3A93D101EBE5}"/>
-                </a:ext>
-              </a:extLst>
-            </p:cNvPr>
-            <p:cNvSpPr/>
-            <p:nvPr/>
-          </p:nvSpPr>
-          <p:spPr>
-            <a:xfrm>
-              <a:off x="6438911" y="1146047"/>
-              <a:ext cx="141743" cy="141743"/>
-            </a:xfrm>
-            <a:prstGeom prst="ellipse">
-              <a:avLst/>
-            </a:prstGeom>
-            <a:grpFill/>
-            <a:ln>
-              <a:noFill/>
-            </a:ln>
-          </p:spPr>
-          <p:style>
-            <a:lnRef idx="2">
-              <a:schemeClr val="accent1">
-                <a:shade val="50000"/>
-              </a:schemeClr>
-            </a:lnRef>
-            <a:fillRef idx="1">
-              <a:schemeClr val="accent1"/>
-            </a:fillRef>
-            <a:effectRef idx="0">
-              <a:schemeClr val="accent1"/>
-            </a:effectRef>
-            <a:fontRef idx="minor">
-              <a:schemeClr val="lt1"/>
-            </a:fontRef>
-          </p:style>
-          <p:txBody>
-            <a:bodyPr anchor="ctr"/>
-            <a:lstStyle/>
-            <a:p>
-              <a:pPr algn="ctr" eaLnBrk="1" fontAlgn="auto" hangingPunct="1">
-                <a:spcBef>
-                  <a:spcPts val="0"/>
-                </a:spcBef>
-                <a:spcAft>
-                  <a:spcPts val="0"/>
-                </a:spcAft>
-                <a:defRPr/>
-              </a:pPr>
-              <a:endParaRPr lang="en-US"/>
-            </a:p>
-          </p:txBody>
-        </p:sp>
-        <p:sp>
-          <p:nvSpPr>
-            <p:cNvPr id="89" name="Oval 88">
-              <a:extLst>
-                <a:ext uri="{FF2B5EF4-FFF2-40B4-BE49-F238E27FC236}">
-                  <a16:creationId xmlns:a16="http://schemas.microsoft.com/office/drawing/2014/main" id="{29EF21C7-E3AE-0E97-9FEC-A3A9E3F66C5F}"/>
-                </a:ext>
-              </a:extLst>
-            </p:cNvPr>
-            <p:cNvSpPr/>
-            <p:nvPr/>
-          </p:nvSpPr>
-          <p:spPr>
-            <a:xfrm>
-              <a:off x="6750248" y="1146047"/>
-              <a:ext cx="141743" cy="141743"/>
-            </a:xfrm>
-            <a:prstGeom prst="ellipse">
-              <a:avLst/>
-            </a:prstGeom>
-            <a:grpFill/>
-            <a:ln>
-              <a:noFill/>
-            </a:ln>
-          </p:spPr>
-          <p:style>
-            <a:lnRef idx="2">
-              <a:schemeClr val="accent1">
-                <a:shade val="50000"/>
-              </a:schemeClr>
-            </a:lnRef>
-            <a:fillRef idx="1">
-              <a:schemeClr val="accent1"/>
-            </a:fillRef>
-            <a:effectRef idx="0">
-              <a:schemeClr val="accent1"/>
-            </a:effectRef>
-            <a:fontRef idx="minor">
-              <a:schemeClr val="lt1"/>
-            </a:fontRef>
-          </p:style>
-          <p:txBody>
-            <a:bodyPr anchor="ctr"/>
-            <a:lstStyle/>
-            <a:p>
-              <a:pPr algn="ctr" eaLnBrk="1" fontAlgn="auto" hangingPunct="1">
-                <a:spcBef>
-                  <a:spcPts val="0"/>
-                </a:spcBef>
-                <a:spcAft>
-                  <a:spcPts val="0"/>
-                </a:spcAft>
-                <a:defRPr/>
-              </a:pPr>
-              <a:endParaRPr lang="en-US"/>
-            </a:p>
-          </p:txBody>
-        </p:sp>
-        <p:sp>
-          <p:nvSpPr>
-            <p:cNvPr id="90" name="Oval 89">
-              <a:extLst>
-                <a:ext uri="{FF2B5EF4-FFF2-40B4-BE49-F238E27FC236}">
-                  <a16:creationId xmlns:a16="http://schemas.microsoft.com/office/drawing/2014/main" id="{216B58A2-BFAF-8918-D22D-5422BF171796}"/>
-                </a:ext>
-              </a:extLst>
-            </p:cNvPr>
-            <p:cNvSpPr/>
-            <p:nvPr/>
-          </p:nvSpPr>
-          <p:spPr>
-            <a:xfrm>
-              <a:off x="7044391" y="1146046"/>
-              <a:ext cx="141743" cy="141743"/>
-            </a:xfrm>
-            <a:prstGeom prst="ellipse">
-              <a:avLst/>
-            </a:prstGeom>
-            <a:grpFill/>
-            <a:ln>
-              <a:noFill/>
-            </a:ln>
-          </p:spPr>
-          <p:style>
-            <a:lnRef idx="2">
-              <a:schemeClr val="accent1">
-                <a:shade val="50000"/>
-              </a:schemeClr>
-            </a:lnRef>
-            <a:fillRef idx="1">
-              <a:schemeClr val="accent1"/>
-            </a:fillRef>
-            <a:effectRef idx="0">
-              <a:schemeClr val="accent1"/>
-            </a:effectRef>
-            <a:fontRef idx="minor">
-              <a:schemeClr val="lt1"/>
-            </a:fontRef>
-          </p:style>
-          <p:txBody>
-            <a:bodyPr anchor="ctr"/>
-            <a:lstStyle/>
-            <a:p>
-              <a:pPr algn="ctr" eaLnBrk="1" fontAlgn="auto" hangingPunct="1">
-                <a:spcBef>
-                  <a:spcPts val="0"/>
-                </a:spcBef>
-                <a:spcAft>
-                  <a:spcPts val="0"/>
-                </a:spcAft>
-                <a:defRPr/>
-              </a:pPr>
-              <a:endParaRPr lang="en-US"/>
-            </a:p>
-          </p:txBody>
-        </p:sp>
-        <p:sp>
-          <p:nvSpPr>
-            <p:cNvPr id="91" name="Oval 90">
-              <a:extLst>
-                <a:ext uri="{FF2B5EF4-FFF2-40B4-BE49-F238E27FC236}">
-                  <a16:creationId xmlns:a16="http://schemas.microsoft.com/office/drawing/2014/main" id="{5DC9EEF6-47AD-A882-72E4-ABEC55BF0BDD}"/>
-                </a:ext>
-              </a:extLst>
-            </p:cNvPr>
-            <p:cNvSpPr/>
-            <p:nvPr/>
-          </p:nvSpPr>
-          <p:spPr>
-            <a:xfrm>
-              <a:off x="7324717" y="1146046"/>
-              <a:ext cx="141743" cy="141743"/>
-            </a:xfrm>
-            <a:prstGeom prst="ellipse">
-              <a:avLst/>
-            </a:prstGeom>
-            <a:grpFill/>
-            <a:ln>
-              <a:noFill/>
-            </a:ln>
-          </p:spPr>
-          <p:style>
-            <a:lnRef idx="2">
-              <a:schemeClr val="accent1">
-                <a:shade val="50000"/>
-              </a:schemeClr>
-            </a:lnRef>
-            <a:fillRef idx="1">
-              <a:schemeClr val="accent1"/>
-            </a:fillRef>
-            <a:effectRef idx="0">
-              <a:schemeClr val="accent1"/>
-            </a:effectRef>
-            <a:fontRef idx="minor">
-              <a:schemeClr val="lt1"/>
-            </a:fontRef>
-          </p:style>
-          <p:txBody>
-            <a:bodyPr anchor="ctr"/>
-            <a:lstStyle/>
-            <a:p>
-              <a:pPr algn="ctr" eaLnBrk="1" fontAlgn="auto" hangingPunct="1">
-                <a:spcBef>
-                  <a:spcPts val="0"/>
-                </a:spcBef>
-                <a:spcAft>
-                  <a:spcPts val="0"/>
-                </a:spcAft>
-                <a:defRPr/>
-              </a:pPr>
-              <a:endParaRPr lang="en-US"/>
-            </a:p>
-          </p:txBody>
-        </p:sp>
-        <p:sp>
-          <p:nvSpPr>
-            <p:cNvPr id="92" name="Oval 91">
-              <a:extLst>
-                <a:ext uri="{FF2B5EF4-FFF2-40B4-BE49-F238E27FC236}">
-                  <a16:creationId xmlns:a16="http://schemas.microsoft.com/office/drawing/2014/main" id="{4602D86D-B08D-A82D-E74C-D1A480CAE9F8}"/>
-                </a:ext>
-              </a:extLst>
-            </p:cNvPr>
-            <p:cNvSpPr/>
-            <p:nvPr/>
-          </p:nvSpPr>
-          <p:spPr>
-            <a:xfrm>
-              <a:off x="7618860" y="1146045"/>
-              <a:ext cx="141743" cy="141743"/>
-            </a:xfrm>
-            <a:prstGeom prst="ellipse">
-              <a:avLst/>
-            </a:prstGeom>
-            <a:grpFill/>
-            <a:ln>
-              <a:noFill/>
-            </a:ln>
-          </p:spPr>
-          <p:style>
-            <a:lnRef idx="2">
-              <a:schemeClr val="accent1">
-                <a:shade val="50000"/>
-              </a:schemeClr>
-            </a:lnRef>
-            <a:fillRef idx="1">
-              <a:schemeClr val="accent1"/>
-            </a:fillRef>
-            <a:effectRef idx="0">
-              <a:schemeClr val="accent1"/>
-            </a:effectRef>
-            <a:fontRef idx="minor">
-              <a:schemeClr val="lt1"/>
-            </a:fontRef>
-          </p:style>
-          <p:txBody>
-            <a:bodyPr anchor="ctr"/>
-            <a:lstStyle/>
-            <a:p>
-              <a:pPr algn="ctr" eaLnBrk="1" fontAlgn="auto" hangingPunct="1">
-                <a:spcBef>
-                  <a:spcPts val="0"/>
-                </a:spcBef>
-                <a:spcAft>
-                  <a:spcPts val="0"/>
-                </a:spcAft>
-                <a:defRPr/>
-              </a:pPr>
-              <a:endParaRPr lang="en-US"/>
-            </a:p>
-          </p:txBody>
-        </p:sp>
-        <p:sp>
-          <p:nvSpPr>
-            <p:cNvPr id="93" name="Oval 92">
-              <a:extLst>
-                <a:ext uri="{FF2B5EF4-FFF2-40B4-BE49-F238E27FC236}">
-                  <a16:creationId xmlns:a16="http://schemas.microsoft.com/office/drawing/2014/main" id="{0F13700C-2903-974A-44AC-AD09748A5ABB}"/>
-                </a:ext>
-              </a:extLst>
-            </p:cNvPr>
-            <p:cNvSpPr/>
-            <p:nvPr/>
-          </p:nvSpPr>
-          <p:spPr>
-            <a:xfrm>
-              <a:off x="7930197" y="1146045"/>
-              <a:ext cx="141743" cy="141743"/>
-            </a:xfrm>
-            <a:prstGeom prst="ellipse">
-              <a:avLst/>
-            </a:prstGeom>
-            <a:grpFill/>
-            <a:ln>
-              <a:noFill/>
-            </a:ln>
-          </p:spPr>
-          <p:style>
-            <a:lnRef idx="2">
-              <a:schemeClr val="accent1">
-                <a:shade val="50000"/>
-              </a:schemeClr>
-            </a:lnRef>
-            <a:fillRef idx="1">
-              <a:schemeClr val="accent1"/>
-            </a:fillRef>
-            <a:effectRef idx="0">
-              <a:schemeClr val="accent1"/>
-            </a:effectRef>
-            <a:fontRef idx="minor">
-              <a:schemeClr val="lt1"/>
-            </a:fontRef>
-          </p:style>
-          <p:txBody>
-            <a:bodyPr anchor="ctr"/>
-            <a:lstStyle/>
-            <a:p>
-              <a:pPr algn="ctr" eaLnBrk="1" fontAlgn="auto" hangingPunct="1">
-                <a:spcBef>
-                  <a:spcPts val="0"/>
-                </a:spcBef>
-                <a:spcAft>
-                  <a:spcPts val="0"/>
-                </a:spcAft>
-                <a:defRPr/>
-              </a:pPr>
-              <a:endParaRPr lang="en-US"/>
-            </a:p>
-          </p:txBody>
-        </p:sp>
-        <p:sp>
-          <p:nvSpPr>
-            <p:cNvPr id="94" name="Oval 93">
-              <a:extLst>
-                <a:ext uri="{FF2B5EF4-FFF2-40B4-BE49-F238E27FC236}">
-                  <a16:creationId xmlns:a16="http://schemas.microsoft.com/office/drawing/2014/main" id="{10E39719-D2F7-822A-5A27-BF1833A15C23}"/>
-                </a:ext>
-              </a:extLst>
-            </p:cNvPr>
-            <p:cNvSpPr/>
-            <p:nvPr/>
-          </p:nvSpPr>
-          <p:spPr>
-            <a:xfrm>
-              <a:off x="8224340" y="1146044"/>
-              <a:ext cx="141743" cy="141743"/>
-            </a:xfrm>
-            <a:prstGeom prst="ellipse">
-              <a:avLst/>
-            </a:prstGeom>
-            <a:grpFill/>
-            <a:ln>
-              <a:noFill/>
-            </a:ln>
-          </p:spPr>
-          <p:style>
-            <a:lnRef idx="2">
-              <a:schemeClr val="accent1">
-                <a:shade val="50000"/>
-              </a:schemeClr>
-            </a:lnRef>
-            <a:fillRef idx="1">
-              <a:schemeClr val="accent1"/>
-            </a:fillRef>
-            <a:effectRef idx="0">
-              <a:schemeClr val="accent1"/>
-            </a:effectRef>
-            <a:fontRef idx="minor">
-              <a:schemeClr val="lt1"/>
-            </a:fontRef>
-          </p:style>
-          <p:txBody>
-            <a:bodyPr anchor="ctr"/>
-            <a:lstStyle/>
-            <a:p>
-              <a:pPr algn="ctr" eaLnBrk="1" fontAlgn="auto" hangingPunct="1">
-                <a:spcBef>
-                  <a:spcPts val="0"/>
-                </a:spcBef>
-                <a:spcAft>
-                  <a:spcPts val="0"/>
-                </a:spcAft>
-                <a:defRPr/>
-              </a:pPr>
-              <a:endParaRPr lang="en-US"/>
-            </a:p>
-          </p:txBody>
-        </p:sp>
-        <p:sp>
-          <p:nvSpPr>
-            <p:cNvPr id="95" name="Oval 94">
-              <a:extLst>
-                <a:ext uri="{FF2B5EF4-FFF2-40B4-BE49-F238E27FC236}">
-                  <a16:creationId xmlns:a16="http://schemas.microsoft.com/office/drawing/2014/main" id="{21875244-B849-4A6B-7479-53029BFB18BE}"/>
-                </a:ext>
-              </a:extLst>
-            </p:cNvPr>
-            <p:cNvSpPr/>
-            <p:nvPr/>
-          </p:nvSpPr>
-          <p:spPr>
-            <a:xfrm>
-              <a:off x="6144768" y="843742"/>
-              <a:ext cx="141743" cy="141743"/>
-            </a:xfrm>
-            <a:prstGeom prst="ellipse">
-              <a:avLst/>
-            </a:prstGeom>
-            <a:grpFill/>
-            <a:ln>
-              <a:noFill/>
-            </a:ln>
-          </p:spPr>
-          <p:style>
-            <a:lnRef idx="2">
-              <a:schemeClr val="accent1">
-                <a:shade val="50000"/>
-              </a:schemeClr>
-            </a:lnRef>
-            <a:fillRef idx="1">
-              <a:schemeClr val="accent1"/>
-            </a:fillRef>
-            <a:effectRef idx="0">
-              <a:schemeClr val="accent1"/>
-            </a:effectRef>
-            <a:fontRef idx="minor">
-              <a:schemeClr val="lt1"/>
-            </a:fontRef>
-          </p:style>
-          <p:txBody>
-            <a:bodyPr anchor="ctr"/>
-            <a:lstStyle/>
-            <a:p>
-              <a:pPr algn="ctr" eaLnBrk="1" fontAlgn="auto" hangingPunct="1">
-                <a:spcBef>
-                  <a:spcPts val="0"/>
-                </a:spcBef>
-                <a:spcAft>
-                  <a:spcPts val="0"/>
-                </a:spcAft>
-                <a:defRPr/>
-              </a:pPr>
-              <a:endParaRPr lang="en-US"/>
-            </a:p>
-          </p:txBody>
-        </p:sp>
-        <p:sp>
-          <p:nvSpPr>
-            <p:cNvPr id="96" name="Oval 95">
-              <a:extLst>
-                <a:ext uri="{FF2B5EF4-FFF2-40B4-BE49-F238E27FC236}">
-                  <a16:creationId xmlns:a16="http://schemas.microsoft.com/office/drawing/2014/main" id="{A4A0E3BD-30F3-23D5-6BD1-F453F5B5FDB1}"/>
-                </a:ext>
-              </a:extLst>
-            </p:cNvPr>
-            <p:cNvSpPr/>
-            <p:nvPr/>
-          </p:nvSpPr>
-          <p:spPr>
-            <a:xfrm>
-              <a:off x="6438911" y="843741"/>
-              <a:ext cx="141743" cy="141743"/>
-            </a:xfrm>
-            <a:prstGeom prst="ellipse">
-              <a:avLst/>
-            </a:prstGeom>
-            <a:grpFill/>
-            <a:ln>
-              <a:noFill/>
-            </a:ln>
-          </p:spPr>
-          <p:style>
-            <a:lnRef idx="2">
-              <a:schemeClr val="accent1">
-                <a:shade val="50000"/>
-              </a:schemeClr>
-            </a:lnRef>
-            <a:fillRef idx="1">
-              <a:schemeClr val="accent1"/>
-            </a:fillRef>
-            <a:effectRef idx="0">
-              <a:schemeClr val="accent1"/>
-            </a:effectRef>
-            <a:fontRef idx="minor">
-              <a:schemeClr val="lt1"/>
-            </a:fontRef>
-          </p:style>
-          <p:txBody>
-            <a:bodyPr anchor="ctr"/>
-            <a:lstStyle/>
-            <a:p>
-              <a:pPr algn="ctr" eaLnBrk="1" fontAlgn="auto" hangingPunct="1">
-                <a:spcBef>
-                  <a:spcPts val="0"/>
-                </a:spcBef>
-                <a:spcAft>
-                  <a:spcPts val="0"/>
-                </a:spcAft>
-                <a:defRPr/>
-              </a:pPr>
-              <a:endParaRPr lang="en-US"/>
-            </a:p>
-          </p:txBody>
-        </p:sp>
-        <p:sp>
-          <p:nvSpPr>
-            <p:cNvPr id="97" name="Oval 96">
-              <a:extLst>
-                <a:ext uri="{FF2B5EF4-FFF2-40B4-BE49-F238E27FC236}">
-                  <a16:creationId xmlns:a16="http://schemas.microsoft.com/office/drawing/2014/main" id="{8FE406DA-9288-5F7F-28B8-8FF60A14162F}"/>
-                </a:ext>
-              </a:extLst>
-            </p:cNvPr>
-            <p:cNvSpPr/>
-            <p:nvPr/>
-          </p:nvSpPr>
-          <p:spPr>
-            <a:xfrm>
-              <a:off x="6750248" y="843741"/>
-              <a:ext cx="141743" cy="141743"/>
-            </a:xfrm>
-            <a:prstGeom prst="ellipse">
-              <a:avLst/>
-            </a:prstGeom>
-            <a:grpFill/>
-            <a:ln>
-              <a:noFill/>
-            </a:ln>
-          </p:spPr>
-          <p:style>
-            <a:lnRef idx="2">
-              <a:schemeClr val="accent1">
-                <a:shade val="50000"/>
-              </a:schemeClr>
-            </a:lnRef>
-            <a:fillRef idx="1">
-              <a:schemeClr val="accent1"/>
-            </a:fillRef>
-            <a:effectRef idx="0">
-              <a:schemeClr val="accent1"/>
-            </a:effectRef>
-            <a:fontRef idx="minor">
-              <a:schemeClr val="lt1"/>
-            </a:fontRef>
-          </p:style>
-          <p:txBody>
-            <a:bodyPr anchor="ctr"/>
-            <a:lstStyle/>
-            <a:p>
-              <a:pPr algn="ctr" eaLnBrk="1" fontAlgn="auto" hangingPunct="1">
-                <a:spcBef>
-                  <a:spcPts val="0"/>
-                </a:spcBef>
-                <a:spcAft>
-                  <a:spcPts val="0"/>
-                </a:spcAft>
-                <a:defRPr/>
-              </a:pPr>
-              <a:endParaRPr lang="en-US"/>
-            </a:p>
-          </p:txBody>
-        </p:sp>
-        <p:sp>
-          <p:nvSpPr>
-            <p:cNvPr id="98" name="Oval 97">
-              <a:extLst>
-                <a:ext uri="{FF2B5EF4-FFF2-40B4-BE49-F238E27FC236}">
-                  <a16:creationId xmlns:a16="http://schemas.microsoft.com/office/drawing/2014/main" id="{2EC43680-6E9D-3A7C-064B-7B10680A2D25}"/>
-                </a:ext>
-              </a:extLst>
-            </p:cNvPr>
-            <p:cNvSpPr/>
-            <p:nvPr/>
-          </p:nvSpPr>
-          <p:spPr>
-            <a:xfrm>
-              <a:off x="7044391" y="843740"/>
-              <a:ext cx="141743" cy="141743"/>
-            </a:xfrm>
-            <a:prstGeom prst="ellipse">
-              <a:avLst/>
-            </a:prstGeom>
-            <a:grpFill/>
-            <a:ln>
-              <a:noFill/>
-            </a:ln>
-          </p:spPr>
-          <p:style>
-            <a:lnRef idx="2">
-              <a:schemeClr val="accent1">
-                <a:shade val="50000"/>
-              </a:schemeClr>
-            </a:lnRef>
-            <a:fillRef idx="1">
-              <a:schemeClr val="accent1"/>
-            </a:fillRef>
-            <a:effectRef idx="0">
-              <a:schemeClr val="accent1"/>
-            </a:effectRef>
-            <a:fontRef idx="minor">
-              <a:schemeClr val="lt1"/>
-            </a:fontRef>
-          </p:style>
-          <p:txBody>
-            <a:bodyPr anchor="ctr"/>
-            <a:lstStyle/>
-            <a:p>
-              <a:pPr algn="ctr" eaLnBrk="1" fontAlgn="auto" hangingPunct="1">
-                <a:spcBef>
-                  <a:spcPts val="0"/>
-                </a:spcBef>
-                <a:spcAft>
-                  <a:spcPts val="0"/>
-                </a:spcAft>
-                <a:defRPr/>
-              </a:pPr>
-              <a:endParaRPr lang="en-US"/>
-            </a:p>
-          </p:txBody>
-        </p:sp>
-        <p:sp>
-          <p:nvSpPr>
-            <p:cNvPr id="99" name="Oval 98">
-              <a:extLst>
-                <a:ext uri="{FF2B5EF4-FFF2-40B4-BE49-F238E27FC236}">
-                  <a16:creationId xmlns:a16="http://schemas.microsoft.com/office/drawing/2014/main" id="{57DDB9D8-143A-8B01-934A-92EAC9B1AC6F}"/>
-                </a:ext>
-              </a:extLst>
-            </p:cNvPr>
-            <p:cNvSpPr/>
-            <p:nvPr/>
-          </p:nvSpPr>
-          <p:spPr>
-            <a:xfrm>
-              <a:off x="7324717" y="843740"/>
-              <a:ext cx="141743" cy="141743"/>
-            </a:xfrm>
-            <a:prstGeom prst="ellipse">
-              <a:avLst/>
-            </a:prstGeom>
-            <a:grpFill/>
-            <a:ln>
-              <a:noFill/>
-            </a:ln>
-          </p:spPr>
-          <p:style>
-            <a:lnRef idx="2">
-              <a:schemeClr val="accent1">
-                <a:shade val="50000"/>
-              </a:schemeClr>
-            </a:lnRef>
-            <a:fillRef idx="1">
-              <a:schemeClr val="accent1"/>
-            </a:fillRef>
-            <a:effectRef idx="0">
-              <a:schemeClr val="accent1"/>
-            </a:effectRef>
-            <a:fontRef idx="minor">
-              <a:schemeClr val="lt1"/>
-            </a:fontRef>
-          </p:style>
-          <p:txBody>
-            <a:bodyPr anchor="ctr"/>
-            <a:lstStyle/>
-            <a:p>
-              <a:pPr algn="ctr" eaLnBrk="1" fontAlgn="auto" hangingPunct="1">
-                <a:spcBef>
-                  <a:spcPts val="0"/>
-                </a:spcBef>
-                <a:spcAft>
-                  <a:spcPts val="0"/>
-                </a:spcAft>
-                <a:defRPr/>
-              </a:pPr>
-              <a:endParaRPr lang="en-US"/>
-            </a:p>
-          </p:txBody>
-        </p:sp>
-        <p:sp>
-          <p:nvSpPr>
-            <p:cNvPr id="100" name="Oval 99">
-              <a:extLst>
-                <a:ext uri="{FF2B5EF4-FFF2-40B4-BE49-F238E27FC236}">
-                  <a16:creationId xmlns:a16="http://schemas.microsoft.com/office/drawing/2014/main" id="{085EAE6C-3851-B768-2482-DAF3DD84D141}"/>
-                </a:ext>
-              </a:extLst>
-            </p:cNvPr>
-            <p:cNvSpPr/>
-            <p:nvPr/>
-          </p:nvSpPr>
-          <p:spPr>
-            <a:xfrm>
-              <a:off x="7618860" y="843739"/>
-              <a:ext cx="141743" cy="141743"/>
-            </a:xfrm>
-            <a:prstGeom prst="ellipse">
-              <a:avLst/>
-            </a:prstGeom>
-            <a:grpFill/>
-            <a:ln>
-              <a:noFill/>
-            </a:ln>
-          </p:spPr>
-          <p:style>
-            <a:lnRef idx="2">
-              <a:schemeClr val="accent1">
-                <a:shade val="50000"/>
-              </a:schemeClr>
-            </a:lnRef>
-            <a:fillRef idx="1">
-              <a:schemeClr val="accent1"/>
-            </a:fillRef>
-            <a:effectRef idx="0">
-              <a:schemeClr val="accent1"/>
-            </a:effectRef>
-            <a:fontRef idx="minor">
-              <a:schemeClr val="lt1"/>
-            </a:fontRef>
-          </p:style>
-          <p:txBody>
-            <a:bodyPr anchor="ctr"/>
-            <a:lstStyle/>
-            <a:p>
-              <a:pPr algn="ctr" eaLnBrk="1" fontAlgn="auto" hangingPunct="1">
-                <a:spcBef>
-                  <a:spcPts val="0"/>
-                </a:spcBef>
-                <a:spcAft>
-                  <a:spcPts val="0"/>
-                </a:spcAft>
-                <a:defRPr/>
-              </a:pPr>
-              <a:endParaRPr lang="en-US"/>
-            </a:p>
-          </p:txBody>
-        </p:sp>
-        <p:sp>
-          <p:nvSpPr>
-            <p:cNvPr id="101" name="Oval 100">
-              <a:extLst>
-                <a:ext uri="{FF2B5EF4-FFF2-40B4-BE49-F238E27FC236}">
-                  <a16:creationId xmlns:a16="http://schemas.microsoft.com/office/drawing/2014/main" id="{65A2BB7E-1E50-AFA5-6C07-88534AD7A15B}"/>
-                </a:ext>
-              </a:extLst>
-            </p:cNvPr>
-            <p:cNvSpPr/>
-            <p:nvPr/>
-          </p:nvSpPr>
-          <p:spPr>
-            <a:xfrm>
-              <a:off x="7930197" y="843739"/>
-              <a:ext cx="141743" cy="141743"/>
-            </a:xfrm>
-            <a:prstGeom prst="ellipse">
-              <a:avLst/>
-            </a:prstGeom>
-            <a:grpFill/>
-            <a:ln>
-              <a:noFill/>
-            </a:ln>
-          </p:spPr>
-          <p:style>
-            <a:lnRef idx="2">
-              <a:schemeClr val="accent1">
-                <a:shade val="50000"/>
-              </a:schemeClr>
-            </a:lnRef>
-            <a:fillRef idx="1">
-              <a:schemeClr val="accent1"/>
-            </a:fillRef>
-            <a:effectRef idx="0">
-              <a:schemeClr val="accent1"/>
-            </a:effectRef>
-            <a:fontRef idx="minor">
-              <a:schemeClr val="lt1"/>
-            </a:fontRef>
-          </p:style>
-          <p:txBody>
-            <a:bodyPr anchor="ctr"/>
-            <a:lstStyle/>
-            <a:p>
-              <a:pPr algn="ctr" eaLnBrk="1" fontAlgn="auto" hangingPunct="1">
-                <a:spcBef>
-                  <a:spcPts val="0"/>
-                </a:spcBef>
-                <a:spcAft>
-                  <a:spcPts val="0"/>
-                </a:spcAft>
-                <a:defRPr/>
-              </a:pPr>
-              <a:endParaRPr lang="en-US"/>
-            </a:p>
-          </p:txBody>
-        </p:sp>
-        <p:sp>
-          <p:nvSpPr>
-            <p:cNvPr id="102" name="Oval 101">
-              <a:extLst>
-                <a:ext uri="{FF2B5EF4-FFF2-40B4-BE49-F238E27FC236}">
-                  <a16:creationId xmlns:a16="http://schemas.microsoft.com/office/drawing/2014/main" id="{2B8595C6-E621-B6E5-E2DE-FC4D2E6863E6}"/>
-                </a:ext>
-              </a:extLst>
-            </p:cNvPr>
-            <p:cNvSpPr/>
-            <p:nvPr/>
-          </p:nvSpPr>
-          <p:spPr>
-            <a:xfrm>
-              <a:off x="8224340" y="843738"/>
-              <a:ext cx="141743" cy="141743"/>
-            </a:xfrm>
-            <a:prstGeom prst="ellipse">
-              <a:avLst/>
-            </a:prstGeom>
-            <a:grpFill/>
-            <a:ln>
-              <a:noFill/>
-            </a:ln>
-          </p:spPr>
-          <p:style>
-            <a:lnRef idx="2">
-              <a:schemeClr val="accent1">
-                <a:shade val="50000"/>
-              </a:schemeClr>
-            </a:lnRef>
-            <a:fillRef idx="1">
-              <a:schemeClr val="accent1"/>
-            </a:fillRef>
-            <a:effectRef idx="0">
-              <a:schemeClr val="accent1"/>
-            </a:effectRef>
-            <a:fontRef idx="minor">
-              <a:schemeClr val="lt1"/>
-            </a:fontRef>
-          </p:style>
-          <p:txBody>
-            <a:bodyPr anchor="ctr"/>
-            <a:lstStyle/>
-            <a:p>
-              <a:pPr algn="ctr" eaLnBrk="1" fontAlgn="auto" hangingPunct="1">
-                <a:spcBef>
-                  <a:spcPts val="0"/>
-                </a:spcBef>
-                <a:spcAft>
-                  <a:spcPts val="0"/>
-                </a:spcAft>
-                <a:defRPr/>
-              </a:pPr>
-              <a:endParaRPr lang="en-US"/>
-            </a:p>
-          </p:txBody>
-        </p:sp>
-        <p:sp>
-          <p:nvSpPr>
-            <p:cNvPr id="103" name="Oval 102">
-              <a:extLst>
-                <a:ext uri="{FF2B5EF4-FFF2-40B4-BE49-F238E27FC236}">
-                  <a16:creationId xmlns:a16="http://schemas.microsoft.com/office/drawing/2014/main" id="{E7516320-B165-6552-4AB4-AFEFFFFC3608}"/>
-                </a:ext>
-              </a:extLst>
-            </p:cNvPr>
-            <p:cNvSpPr/>
-            <p:nvPr/>
-          </p:nvSpPr>
-          <p:spPr>
-            <a:xfrm>
-              <a:off x="6144768" y="486733"/>
-              <a:ext cx="141743" cy="141743"/>
-            </a:xfrm>
-            <a:prstGeom prst="ellipse">
-              <a:avLst/>
-            </a:prstGeom>
-            <a:grpFill/>
-            <a:ln>
-              <a:noFill/>
-            </a:ln>
-          </p:spPr>
-          <p:style>
-            <a:lnRef idx="2">
-              <a:schemeClr val="accent1">
-                <a:shade val="50000"/>
-              </a:schemeClr>
-            </a:lnRef>
-            <a:fillRef idx="1">
-              <a:schemeClr val="accent1"/>
-            </a:fillRef>
-            <a:effectRef idx="0">
-              <a:schemeClr val="accent1"/>
-            </a:effectRef>
-            <a:fontRef idx="minor">
-              <a:schemeClr val="lt1"/>
-            </a:fontRef>
-          </p:style>
-          <p:txBody>
-            <a:bodyPr anchor="ctr"/>
-            <a:lstStyle/>
-            <a:p>
-              <a:pPr algn="ctr" eaLnBrk="1" fontAlgn="auto" hangingPunct="1">
-                <a:spcBef>
-                  <a:spcPts val="0"/>
-                </a:spcBef>
-                <a:spcAft>
-                  <a:spcPts val="0"/>
-                </a:spcAft>
-                <a:defRPr/>
-              </a:pPr>
-              <a:endParaRPr lang="en-US"/>
-            </a:p>
-          </p:txBody>
-        </p:sp>
-        <p:sp>
-          <p:nvSpPr>
-            <p:cNvPr id="104" name="Oval 103">
-              <a:extLst>
-                <a:ext uri="{FF2B5EF4-FFF2-40B4-BE49-F238E27FC236}">
-                  <a16:creationId xmlns:a16="http://schemas.microsoft.com/office/drawing/2014/main" id="{06A207F7-13C7-9255-2E4C-0B7B13330F45}"/>
-                </a:ext>
-              </a:extLst>
-            </p:cNvPr>
-            <p:cNvSpPr/>
-            <p:nvPr/>
-          </p:nvSpPr>
-          <p:spPr>
-            <a:xfrm>
-              <a:off x="6438911" y="486733"/>
-              <a:ext cx="141743" cy="141743"/>
-            </a:xfrm>
-            <a:prstGeom prst="ellipse">
-              <a:avLst/>
-            </a:prstGeom>
-            <a:grpFill/>
-            <a:ln>
-              <a:noFill/>
-            </a:ln>
-          </p:spPr>
-          <p:style>
-            <a:lnRef idx="2">
-              <a:schemeClr val="accent1">
-                <a:shade val="50000"/>
-              </a:schemeClr>
-            </a:lnRef>
-            <a:fillRef idx="1">
-              <a:schemeClr val="accent1"/>
-            </a:fillRef>
-            <a:effectRef idx="0">
-              <a:schemeClr val="accent1"/>
-            </a:effectRef>
-            <a:fontRef idx="minor">
-              <a:schemeClr val="lt1"/>
-            </a:fontRef>
-          </p:style>
-          <p:txBody>
-            <a:bodyPr anchor="ctr"/>
-            <a:lstStyle/>
-            <a:p>
-              <a:pPr algn="ctr" eaLnBrk="1" fontAlgn="auto" hangingPunct="1">
-                <a:spcBef>
-                  <a:spcPts val="0"/>
-                </a:spcBef>
-                <a:spcAft>
-                  <a:spcPts val="0"/>
-                </a:spcAft>
-                <a:defRPr/>
-              </a:pPr>
-              <a:endParaRPr lang="en-US"/>
-            </a:p>
-          </p:txBody>
-        </p:sp>
-        <p:sp>
-          <p:nvSpPr>
-            <p:cNvPr id="105" name="Oval 104">
-              <a:extLst>
-                <a:ext uri="{FF2B5EF4-FFF2-40B4-BE49-F238E27FC236}">
-                  <a16:creationId xmlns:a16="http://schemas.microsoft.com/office/drawing/2014/main" id="{C8274BC2-EBCB-F084-064E-7C3BD3BB2253}"/>
-                </a:ext>
-              </a:extLst>
-            </p:cNvPr>
-            <p:cNvSpPr/>
-            <p:nvPr/>
-          </p:nvSpPr>
-          <p:spPr>
-            <a:xfrm>
-              <a:off x="6750248" y="486733"/>
-              <a:ext cx="141743" cy="141743"/>
-            </a:xfrm>
-            <a:prstGeom prst="ellipse">
-              <a:avLst/>
-            </a:prstGeom>
-            <a:grpFill/>
-            <a:ln>
-              <a:noFill/>
-            </a:ln>
-          </p:spPr>
-          <p:style>
-            <a:lnRef idx="2">
-              <a:schemeClr val="accent1">
-                <a:shade val="50000"/>
-              </a:schemeClr>
-            </a:lnRef>
-            <a:fillRef idx="1">
-              <a:schemeClr val="accent1"/>
-            </a:fillRef>
-            <a:effectRef idx="0">
-              <a:schemeClr val="accent1"/>
-            </a:effectRef>
-            <a:fontRef idx="minor">
-              <a:schemeClr val="lt1"/>
-            </a:fontRef>
-          </p:style>
-          <p:txBody>
-            <a:bodyPr anchor="ctr"/>
-            <a:lstStyle/>
-            <a:p>
-              <a:pPr algn="ctr" eaLnBrk="1" fontAlgn="auto" hangingPunct="1">
-                <a:spcBef>
-                  <a:spcPts val="0"/>
-                </a:spcBef>
-                <a:spcAft>
-                  <a:spcPts val="0"/>
-                </a:spcAft>
-                <a:defRPr/>
-              </a:pPr>
-              <a:endParaRPr lang="en-US"/>
-            </a:p>
-          </p:txBody>
-        </p:sp>
-        <p:sp>
-          <p:nvSpPr>
-            <p:cNvPr id="106" name="Oval 105">
-              <a:extLst>
-                <a:ext uri="{FF2B5EF4-FFF2-40B4-BE49-F238E27FC236}">
-                  <a16:creationId xmlns:a16="http://schemas.microsoft.com/office/drawing/2014/main" id="{5558BF7F-FA2A-48D4-4655-C0D80778EA2D}"/>
-                </a:ext>
-              </a:extLst>
-            </p:cNvPr>
-            <p:cNvSpPr/>
-            <p:nvPr/>
-          </p:nvSpPr>
-          <p:spPr>
-            <a:xfrm>
-              <a:off x="7044391" y="486733"/>
-              <a:ext cx="141743" cy="141743"/>
-            </a:xfrm>
-            <a:prstGeom prst="ellipse">
-              <a:avLst/>
-            </a:prstGeom>
-            <a:grpFill/>
-            <a:ln>
-              <a:noFill/>
-            </a:ln>
-          </p:spPr>
-          <p:style>
-            <a:lnRef idx="2">
-              <a:schemeClr val="accent1">
-                <a:shade val="50000"/>
-              </a:schemeClr>
-            </a:lnRef>
-            <a:fillRef idx="1">
-              <a:schemeClr val="accent1"/>
-            </a:fillRef>
-            <a:effectRef idx="0">
-              <a:schemeClr val="accent1"/>
-            </a:effectRef>
-            <a:fontRef idx="minor">
-              <a:schemeClr val="lt1"/>
-            </a:fontRef>
-          </p:style>
-          <p:txBody>
-            <a:bodyPr anchor="ctr"/>
-            <a:lstStyle/>
-            <a:p>
-              <a:pPr algn="ctr" eaLnBrk="1" fontAlgn="auto" hangingPunct="1">
-                <a:spcBef>
-                  <a:spcPts val="0"/>
-                </a:spcBef>
-                <a:spcAft>
-                  <a:spcPts val="0"/>
-                </a:spcAft>
-                <a:defRPr/>
-              </a:pPr>
-              <a:endParaRPr lang="en-US"/>
-            </a:p>
-          </p:txBody>
-        </p:sp>
-        <p:sp>
-          <p:nvSpPr>
-            <p:cNvPr id="107" name="Oval 106">
-              <a:extLst>
-                <a:ext uri="{FF2B5EF4-FFF2-40B4-BE49-F238E27FC236}">
-                  <a16:creationId xmlns:a16="http://schemas.microsoft.com/office/drawing/2014/main" id="{3952E80F-3AD2-9739-B69E-259C6302CA13}"/>
-                </a:ext>
-              </a:extLst>
-            </p:cNvPr>
-            <p:cNvSpPr/>
-            <p:nvPr/>
-          </p:nvSpPr>
-          <p:spPr>
-            <a:xfrm>
-              <a:off x="7324717" y="486733"/>
-              <a:ext cx="141743" cy="141743"/>
-            </a:xfrm>
-            <a:prstGeom prst="ellipse">
-              <a:avLst/>
-            </a:prstGeom>
-            <a:grpFill/>
-            <a:ln>
-              <a:noFill/>
-            </a:ln>
-          </p:spPr>
-          <p:style>
-            <a:lnRef idx="2">
-              <a:schemeClr val="accent1">
-                <a:shade val="50000"/>
-              </a:schemeClr>
-            </a:lnRef>
-            <a:fillRef idx="1">
-              <a:schemeClr val="accent1"/>
-            </a:fillRef>
-            <a:effectRef idx="0">
-              <a:schemeClr val="accent1"/>
-            </a:effectRef>
-            <a:fontRef idx="minor">
-              <a:schemeClr val="lt1"/>
-            </a:fontRef>
-          </p:style>
-          <p:txBody>
-            <a:bodyPr anchor="ctr"/>
-            <a:lstStyle/>
-            <a:p>
-              <a:pPr algn="ctr" eaLnBrk="1" fontAlgn="auto" hangingPunct="1">
-                <a:spcBef>
-                  <a:spcPts val="0"/>
-                </a:spcBef>
-                <a:spcAft>
-                  <a:spcPts val="0"/>
-                </a:spcAft>
-                <a:defRPr/>
-              </a:pPr>
-              <a:endParaRPr lang="en-US"/>
-            </a:p>
-          </p:txBody>
-        </p:sp>
-        <p:sp>
-          <p:nvSpPr>
-            <p:cNvPr id="108" name="Oval 107">
-              <a:extLst>
-                <a:ext uri="{FF2B5EF4-FFF2-40B4-BE49-F238E27FC236}">
-                  <a16:creationId xmlns:a16="http://schemas.microsoft.com/office/drawing/2014/main" id="{9F96CEEE-DC21-4AB1-0C92-55B7EF78F5B2}"/>
-                </a:ext>
-              </a:extLst>
-            </p:cNvPr>
-            <p:cNvSpPr/>
-            <p:nvPr/>
-          </p:nvSpPr>
-          <p:spPr>
-            <a:xfrm>
-              <a:off x="7618860" y="486733"/>
-              <a:ext cx="141743" cy="141743"/>
-            </a:xfrm>
-            <a:prstGeom prst="ellipse">
-              <a:avLst/>
-            </a:prstGeom>
-            <a:grpFill/>
-            <a:ln>
-              <a:noFill/>
-            </a:ln>
-          </p:spPr>
-          <p:style>
-            <a:lnRef idx="2">
-              <a:schemeClr val="accent1">
-                <a:shade val="50000"/>
-              </a:schemeClr>
-            </a:lnRef>
-            <a:fillRef idx="1">
-              <a:schemeClr val="accent1"/>
-            </a:fillRef>
-            <a:effectRef idx="0">
-              <a:schemeClr val="accent1"/>
-            </a:effectRef>
-            <a:fontRef idx="minor">
-              <a:schemeClr val="lt1"/>
-            </a:fontRef>
-          </p:style>
-          <p:txBody>
-            <a:bodyPr anchor="ctr"/>
-            <a:lstStyle/>
-            <a:p>
-              <a:pPr algn="ctr" eaLnBrk="1" fontAlgn="auto" hangingPunct="1">
-                <a:spcBef>
-                  <a:spcPts val="0"/>
-                </a:spcBef>
-                <a:spcAft>
-                  <a:spcPts val="0"/>
-                </a:spcAft>
-                <a:defRPr/>
-              </a:pPr>
-              <a:endParaRPr lang="en-US"/>
-            </a:p>
-          </p:txBody>
-        </p:sp>
-        <p:sp>
-          <p:nvSpPr>
-            <p:cNvPr id="109" name="Oval 108">
-              <a:extLst>
-                <a:ext uri="{FF2B5EF4-FFF2-40B4-BE49-F238E27FC236}">
-                  <a16:creationId xmlns:a16="http://schemas.microsoft.com/office/drawing/2014/main" id="{5D28B834-8E3C-6871-7688-69DC6E227156}"/>
-                </a:ext>
-              </a:extLst>
-            </p:cNvPr>
-            <p:cNvSpPr/>
-            <p:nvPr/>
-          </p:nvSpPr>
-          <p:spPr>
-            <a:xfrm>
-              <a:off x="7930197" y="486733"/>
-              <a:ext cx="141743" cy="141743"/>
-            </a:xfrm>
-            <a:prstGeom prst="ellipse">
-              <a:avLst/>
-            </a:prstGeom>
-            <a:grpFill/>
-            <a:ln>
-              <a:noFill/>
-            </a:ln>
-          </p:spPr>
-          <p:style>
-            <a:lnRef idx="2">
-              <a:schemeClr val="accent1">
-                <a:shade val="50000"/>
-              </a:schemeClr>
-            </a:lnRef>
-            <a:fillRef idx="1">
-              <a:schemeClr val="accent1"/>
-            </a:fillRef>
-            <a:effectRef idx="0">
-              <a:schemeClr val="accent1"/>
-            </a:effectRef>
-            <a:fontRef idx="minor">
-              <a:schemeClr val="lt1"/>
-            </a:fontRef>
-          </p:style>
-          <p:txBody>
-            <a:bodyPr anchor="ctr"/>
-            <a:lstStyle/>
-            <a:p>
-              <a:pPr algn="ctr" eaLnBrk="1" fontAlgn="auto" hangingPunct="1">
-                <a:spcBef>
-                  <a:spcPts val="0"/>
-                </a:spcBef>
-                <a:spcAft>
-                  <a:spcPts val="0"/>
-                </a:spcAft>
-                <a:defRPr/>
-              </a:pPr>
-              <a:endParaRPr lang="en-US"/>
-            </a:p>
-          </p:txBody>
-        </p:sp>
-        <p:sp>
-          <p:nvSpPr>
-            <p:cNvPr id="110" name="Oval 109">
-              <a:extLst>
-                <a:ext uri="{FF2B5EF4-FFF2-40B4-BE49-F238E27FC236}">
-                  <a16:creationId xmlns:a16="http://schemas.microsoft.com/office/drawing/2014/main" id="{245A8C37-06A5-9A10-323D-75E5E86C09AC}"/>
-                </a:ext>
-              </a:extLst>
-            </p:cNvPr>
-            <p:cNvSpPr/>
-            <p:nvPr/>
-          </p:nvSpPr>
-          <p:spPr>
-            <a:xfrm>
-              <a:off x="8224340" y="486733"/>
-              <a:ext cx="141743" cy="141743"/>
-            </a:xfrm>
-            <a:prstGeom prst="ellipse">
-              <a:avLst/>
-            </a:prstGeom>
-            <a:grpFill/>
-            <a:ln>
-              <a:noFill/>
-            </a:ln>
-          </p:spPr>
-          <p:style>
-            <a:lnRef idx="2">
-              <a:schemeClr val="accent1">
-                <a:shade val="50000"/>
-              </a:schemeClr>
-            </a:lnRef>
-            <a:fillRef idx="1">
-              <a:schemeClr val="accent1"/>
-            </a:fillRef>
-            <a:effectRef idx="0">
-              <a:schemeClr val="accent1"/>
-            </a:effectRef>
-            <a:fontRef idx="minor">
-              <a:schemeClr val="lt1"/>
-            </a:fontRef>
-          </p:style>
-          <p:txBody>
-            <a:bodyPr anchor="ctr"/>
-            <a:lstStyle/>
-            <a:p>
-              <a:pPr algn="ctr" eaLnBrk="1" fontAlgn="auto" hangingPunct="1">
-                <a:spcBef>
-                  <a:spcPts val="0"/>
-                </a:spcBef>
-                <a:spcAft>
-                  <a:spcPts val="0"/>
-                </a:spcAft>
-                <a:defRPr/>
-              </a:pPr>
-              <a:endParaRPr lang="en-US"/>
-            </a:p>
-          </p:txBody>
-        </p:sp>
-        <p:sp>
-          <p:nvSpPr>
-            <p:cNvPr id="111" name="Oval 110">
-              <a:extLst>
-                <a:ext uri="{FF2B5EF4-FFF2-40B4-BE49-F238E27FC236}">
-                  <a16:creationId xmlns:a16="http://schemas.microsoft.com/office/drawing/2014/main" id="{B575AF67-829C-B3A8-45DD-C024C7F90635}"/>
-                </a:ext>
-              </a:extLst>
-            </p:cNvPr>
-            <p:cNvSpPr/>
-            <p:nvPr/>
-          </p:nvSpPr>
-          <p:spPr>
-            <a:xfrm>
-              <a:off x="6144768" y="129724"/>
-              <a:ext cx="141743" cy="141743"/>
-            </a:xfrm>
-            <a:prstGeom prst="ellipse">
-              <a:avLst/>
-            </a:prstGeom>
-            <a:grpFill/>
-            <a:ln>
-              <a:noFill/>
-            </a:ln>
-          </p:spPr>
-          <p:style>
-            <a:lnRef idx="2">
-              <a:schemeClr val="accent1">
-                <a:shade val="50000"/>
-              </a:schemeClr>
-            </a:lnRef>
-            <a:fillRef idx="1">
-              <a:schemeClr val="accent1"/>
-            </a:fillRef>
-            <a:effectRef idx="0">
-              <a:schemeClr val="accent1"/>
-            </a:effectRef>
-            <a:fontRef idx="minor">
-              <a:schemeClr val="lt1"/>
-            </a:fontRef>
-          </p:style>
-          <p:txBody>
-            <a:bodyPr anchor="ctr"/>
-            <a:lstStyle/>
-            <a:p>
-              <a:pPr algn="ctr" eaLnBrk="1" fontAlgn="auto" hangingPunct="1">
-                <a:spcBef>
-                  <a:spcPts val="0"/>
-                </a:spcBef>
-                <a:spcAft>
-                  <a:spcPts val="0"/>
-                </a:spcAft>
-                <a:defRPr/>
-              </a:pPr>
-              <a:endParaRPr lang="en-US"/>
-            </a:p>
-          </p:txBody>
-        </p:sp>
-        <p:sp>
-          <p:nvSpPr>
-            <p:cNvPr id="112" name="Oval 111">
-              <a:extLst>
-                <a:ext uri="{FF2B5EF4-FFF2-40B4-BE49-F238E27FC236}">
-                  <a16:creationId xmlns:a16="http://schemas.microsoft.com/office/drawing/2014/main" id="{C37DDFB5-FDC6-B698-8489-FB12CD7AC368}"/>
-                </a:ext>
-              </a:extLst>
-            </p:cNvPr>
-            <p:cNvSpPr/>
-            <p:nvPr/>
-          </p:nvSpPr>
-          <p:spPr>
-            <a:xfrm>
-              <a:off x="6438911" y="129723"/>
-              <a:ext cx="141743" cy="141743"/>
-            </a:xfrm>
-            <a:prstGeom prst="ellipse">
-              <a:avLst/>
-            </a:prstGeom>
-            <a:grpFill/>
-            <a:ln>
-              <a:noFill/>
-            </a:ln>
-          </p:spPr>
-          <p:style>
-            <a:lnRef idx="2">
-              <a:schemeClr val="accent1">
-                <a:shade val="50000"/>
-              </a:schemeClr>
-            </a:lnRef>
-            <a:fillRef idx="1">
-              <a:schemeClr val="accent1"/>
-            </a:fillRef>
-            <a:effectRef idx="0">
-              <a:schemeClr val="accent1"/>
-            </a:effectRef>
-            <a:fontRef idx="minor">
-              <a:schemeClr val="lt1"/>
-            </a:fontRef>
-          </p:style>
-          <p:txBody>
-            <a:bodyPr anchor="ctr"/>
-            <a:lstStyle/>
-            <a:p>
-              <a:pPr algn="ctr" eaLnBrk="1" fontAlgn="auto" hangingPunct="1">
-                <a:spcBef>
-                  <a:spcPts val="0"/>
-                </a:spcBef>
-                <a:spcAft>
-                  <a:spcPts val="0"/>
-                </a:spcAft>
-                <a:defRPr/>
-              </a:pPr>
-              <a:endParaRPr lang="en-US"/>
-            </a:p>
-          </p:txBody>
-        </p:sp>
-        <p:sp>
-          <p:nvSpPr>
-            <p:cNvPr id="113" name="Oval 112">
-              <a:extLst>
-                <a:ext uri="{FF2B5EF4-FFF2-40B4-BE49-F238E27FC236}">
-                  <a16:creationId xmlns:a16="http://schemas.microsoft.com/office/drawing/2014/main" id="{4349E2E3-4567-C281-CA6F-F41BD24E2299}"/>
-                </a:ext>
-              </a:extLst>
-            </p:cNvPr>
-            <p:cNvSpPr/>
-            <p:nvPr/>
-          </p:nvSpPr>
-          <p:spPr>
-            <a:xfrm>
-              <a:off x="6750248" y="129723"/>
-              <a:ext cx="141743" cy="141743"/>
-            </a:xfrm>
-            <a:prstGeom prst="ellipse">
-              <a:avLst/>
-            </a:prstGeom>
-            <a:grpFill/>
-            <a:ln>
-              <a:noFill/>
-            </a:ln>
-          </p:spPr>
-          <p:style>
-            <a:lnRef idx="2">
-              <a:schemeClr val="accent1">
-                <a:shade val="50000"/>
-              </a:schemeClr>
-            </a:lnRef>
-            <a:fillRef idx="1">
-              <a:schemeClr val="accent1"/>
-            </a:fillRef>
-            <a:effectRef idx="0">
-              <a:schemeClr val="accent1"/>
-            </a:effectRef>
-            <a:fontRef idx="minor">
-              <a:schemeClr val="lt1"/>
-            </a:fontRef>
-          </p:style>
-          <p:txBody>
-            <a:bodyPr anchor="ctr"/>
-            <a:lstStyle/>
-            <a:p>
-              <a:pPr algn="ctr" eaLnBrk="1" fontAlgn="auto" hangingPunct="1">
-                <a:spcBef>
-                  <a:spcPts val="0"/>
-                </a:spcBef>
-                <a:spcAft>
-                  <a:spcPts val="0"/>
-                </a:spcAft>
-                <a:defRPr/>
-              </a:pPr>
-              <a:endParaRPr lang="en-US"/>
-            </a:p>
-          </p:txBody>
-        </p:sp>
-        <p:sp>
-          <p:nvSpPr>
-            <p:cNvPr id="114" name="Oval 113">
-              <a:extLst>
-                <a:ext uri="{FF2B5EF4-FFF2-40B4-BE49-F238E27FC236}">
-                  <a16:creationId xmlns:a16="http://schemas.microsoft.com/office/drawing/2014/main" id="{3DF981BA-24E3-6FE0-A708-2C8D95BE661B}"/>
-                </a:ext>
-              </a:extLst>
-            </p:cNvPr>
-            <p:cNvSpPr/>
-            <p:nvPr/>
-          </p:nvSpPr>
-          <p:spPr>
-            <a:xfrm>
-              <a:off x="7044391" y="129722"/>
-              <a:ext cx="141743" cy="141743"/>
-            </a:xfrm>
-            <a:prstGeom prst="ellipse">
-              <a:avLst/>
-            </a:prstGeom>
-            <a:grpFill/>
-            <a:ln>
-              <a:noFill/>
-            </a:ln>
-          </p:spPr>
-          <p:style>
-            <a:lnRef idx="2">
-              <a:schemeClr val="accent1">
-                <a:shade val="50000"/>
-              </a:schemeClr>
-            </a:lnRef>
-            <a:fillRef idx="1">
-              <a:schemeClr val="accent1"/>
-            </a:fillRef>
-            <a:effectRef idx="0">
-              <a:schemeClr val="accent1"/>
-            </a:effectRef>
-            <a:fontRef idx="minor">
-              <a:schemeClr val="lt1"/>
-            </a:fontRef>
-          </p:style>
-          <p:txBody>
-            <a:bodyPr anchor="ctr"/>
-            <a:lstStyle/>
-            <a:p>
-              <a:pPr algn="ctr" eaLnBrk="1" fontAlgn="auto" hangingPunct="1">
-                <a:spcBef>
-                  <a:spcPts val="0"/>
-                </a:spcBef>
-                <a:spcAft>
-                  <a:spcPts val="0"/>
-                </a:spcAft>
-                <a:defRPr/>
-              </a:pPr>
-              <a:endParaRPr lang="en-US"/>
-            </a:p>
-          </p:txBody>
-        </p:sp>
-        <p:sp>
-          <p:nvSpPr>
-            <p:cNvPr id="115" name="Oval 114">
-              <a:extLst>
-                <a:ext uri="{FF2B5EF4-FFF2-40B4-BE49-F238E27FC236}">
-                  <a16:creationId xmlns:a16="http://schemas.microsoft.com/office/drawing/2014/main" id="{0555DD33-B446-3F09-A038-E3D7375CF478}"/>
-                </a:ext>
-              </a:extLst>
-            </p:cNvPr>
-            <p:cNvSpPr/>
-            <p:nvPr/>
-          </p:nvSpPr>
-          <p:spPr>
-            <a:xfrm>
-              <a:off x="7324717" y="129722"/>
-              <a:ext cx="141743" cy="141743"/>
-            </a:xfrm>
-            <a:prstGeom prst="ellipse">
-              <a:avLst/>
-            </a:prstGeom>
-            <a:grpFill/>
-            <a:ln>
-              <a:noFill/>
-            </a:ln>
-          </p:spPr>
-          <p:style>
-            <a:lnRef idx="2">
-              <a:schemeClr val="accent1">
-                <a:shade val="50000"/>
-              </a:schemeClr>
-            </a:lnRef>
-            <a:fillRef idx="1">
-              <a:schemeClr val="accent1"/>
-            </a:fillRef>
-            <a:effectRef idx="0">
-              <a:schemeClr val="accent1"/>
-            </a:effectRef>
-            <a:fontRef idx="minor">
-              <a:schemeClr val="lt1"/>
-            </a:fontRef>
-          </p:style>
-          <p:txBody>
-            <a:bodyPr anchor="ctr"/>
-            <a:lstStyle/>
-            <a:p>
-              <a:pPr algn="ctr" eaLnBrk="1" fontAlgn="auto" hangingPunct="1">
-                <a:spcBef>
-                  <a:spcPts val="0"/>
-                </a:spcBef>
-                <a:spcAft>
-                  <a:spcPts val="0"/>
-                </a:spcAft>
-                <a:defRPr/>
-              </a:pPr>
-              <a:endParaRPr lang="en-US"/>
-            </a:p>
-          </p:txBody>
-        </p:sp>
-        <p:sp>
-          <p:nvSpPr>
-            <p:cNvPr id="116" name="Oval 115">
-              <a:extLst>
-                <a:ext uri="{FF2B5EF4-FFF2-40B4-BE49-F238E27FC236}">
-                  <a16:creationId xmlns:a16="http://schemas.microsoft.com/office/drawing/2014/main" id="{34616505-58B3-8A2D-BE6D-BCB0A173410A}"/>
-                </a:ext>
-              </a:extLst>
-            </p:cNvPr>
-            <p:cNvSpPr/>
-            <p:nvPr/>
-          </p:nvSpPr>
-          <p:spPr>
-            <a:xfrm>
-              <a:off x="7618860" y="129721"/>
-              <a:ext cx="141743" cy="141743"/>
-            </a:xfrm>
-            <a:prstGeom prst="ellipse">
-              <a:avLst/>
-            </a:prstGeom>
-            <a:grpFill/>
-            <a:ln>
-              <a:noFill/>
-            </a:ln>
-          </p:spPr>
-          <p:style>
-            <a:lnRef idx="2">
-              <a:schemeClr val="accent1">
-                <a:shade val="50000"/>
-              </a:schemeClr>
-            </a:lnRef>
-            <a:fillRef idx="1">
-              <a:schemeClr val="accent1"/>
-            </a:fillRef>
-            <a:effectRef idx="0">
-              <a:schemeClr val="accent1"/>
-            </a:effectRef>
-            <a:fontRef idx="minor">
-              <a:schemeClr val="lt1"/>
-            </a:fontRef>
-          </p:style>
-          <p:txBody>
-            <a:bodyPr anchor="ctr"/>
-            <a:lstStyle/>
-            <a:p>
-              <a:pPr algn="ctr" eaLnBrk="1" fontAlgn="auto" hangingPunct="1">
-                <a:spcBef>
-                  <a:spcPts val="0"/>
-                </a:spcBef>
-                <a:spcAft>
-                  <a:spcPts val="0"/>
-                </a:spcAft>
-                <a:defRPr/>
-              </a:pPr>
-              <a:endParaRPr lang="en-US"/>
-            </a:p>
-          </p:txBody>
-        </p:sp>
-        <p:sp>
-          <p:nvSpPr>
-            <p:cNvPr id="117" name="Oval 116">
-              <a:extLst>
-                <a:ext uri="{FF2B5EF4-FFF2-40B4-BE49-F238E27FC236}">
-                  <a16:creationId xmlns:a16="http://schemas.microsoft.com/office/drawing/2014/main" id="{237C6E04-85B5-4793-59A5-D70E1A41B1B7}"/>
-                </a:ext>
-              </a:extLst>
-            </p:cNvPr>
-            <p:cNvSpPr/>
-            <p:nvPr/>
-          </p:nvSpPr>
-          <p:spPr>
-            <a:xfrm>
-              <a:off x="7930197" y="129721"/>
-              <a:ext cx="141743" cy="141743"/>
-            </a:xfrm>
-            <a:prstGeom prst="ellipse">
-              <a:avLst/>
-            </a:prstGeom>
-            <a:grpFill/>
-            <a:ln>
-              <a:noFill/>
-            </a:ln>
-          </p:spPr>
-          <p:style>
-            <a:lnRef idx="2">
-              <a:schemeClr val="accent1">
-                <a:shade val="50000"/>
-              </a:schemeClr>
-            </a:lnRef>
-            <a:fillRef idx="1">
-              <a:schemeClr val="accent1"/>
-            </a:fillRef>
-            <a:effectRef idx="0">
-              <a:schemeClr val="accent1"/>
-            </a:effectRef>
-            <a:fontRef idx="minor">
-              <a:schemeClr val="lt1"/>
-            </a:fontRef>
-          </p:style>
-          <p:txBody>
-            <a:bodyPr anchor="ctr"/>
-            <a:lstStyle/>
-            <a:p>
-              <a:pPr algn="ctr" eaLnBrk="1" fontAlgn="auto" hangingPunct="1">
-                <a:spcBef>
-                  <a:spcPts val="0"/>
-                </a:spcBef>
-                <a:spcAft>
-                  <a:spcPts val="0"/>
-                </a:spcAft>
-                <a:defRPr/>
-              </a:pPr>
-              <a:endParaRPr lang="en-US"/>
-            </a:p>
-          </p:txBody>
-        </p:sp>
-        <p:sp>
-          <p:nvSpPr>
-            <p:cNvPr id="118" name="Oval 117">
-              <a:extLst>
-                <a:ext uri="{FF2B5EF4-FFF2-40B4-BE49-F238E27FC236}">
-                  <a16:creationId xmlns:a16="http://schemas.microsoft.com/office/drawing/2014/main" id="{9910F17B-F097-B3D0-FF4A-E3A3AEE6FE42}"/>
-                </a:ext>
-              </a:extLst>
-            </p:cNvPr>
-            <p:cNvSpPr/>
-            <p:nvPr/>
-          </p:nvSpPr>
-          <p:spPr>
-            <a:xfrm>
-              <a:off x="8224340" y="129720"/>
-              <a:ext cx="141743" cy="141743"/>
-            </a:xfrm>
-            <a:prstGeom prst="ellipse">
-              <a:avLst/>
-            </a:prstGeom>
-            <a:grpFill/>
-            <a:ln>
-              <a:noFill/>
-            </a:ln>
-          </p:spPr>
-          <p:style>
-            <a:lnRef idx="2">
-              <a:schemeClr val="accent1">
-                <a:shade val="50000"/>
-              </a:schemeClr>
-            </a:lnRef>
-            <a:fillRef idx="1">
-              <a:schemeClr val="accent1"/>
-            </a:fillRef>
-            <a:effectRef idx="0">
-              <a:schemeClr val="accent1"/>
-            </a:effectRef>
-            <a:fontRef idx="minor">
-              <a:schemeClr val="lt1"/>
-            </a:fontRef>
-          </p:style>
-          <p:txBody>
-            <a:bodyPr anchor="ctr"/>
-            <a:lstStyle/>
-            <a:p>
-              <a:pPr algn="ctr" eaLnBrk="1" fontAlgn="auto" hangingPunct="1">
-                <a:spcBef>
-                  <a:spcPts val="0"/>
-                </a:spcBef>
-                <a:spcAft>
-                  <a:spcPts val="0"/>
-                </a:spcAft>
-                <a:defRPr/>
-              </a:pPr>
-              <a:endParaRPr lang="en-US"/>
-            </a:p>
-          </p:txBody>
-        </p:sp>
-      </p:grpSp>
+          <a:prstGeom prst="rect">
+            <a:avLst/>
+          </a:prstGeom>
+          <a:noFill/>
+        </p:spPr>
+        <p:txBody>
+          <a:bodyPr wrap="square">
+            <a:spAutoFit/>
+          </a:bodyPr>
+          <a:lstStyle/>
+          <a:p>
+            <a:pPr algn="ctr" eaLnBrk="1" fontAlgn="auto" hangingPunct="1">
+              <a:spcBef>
+                <a:spcPts val="0"/>
+              </a:spcBef>
+              <a:spcAft>
+                <a:spcPts val="0"/>
+              </a:spcAft>
+              <a:defRPr/>
+            </a:pPr>
+            <a:r>
+              <a:rPr lang="en-US" sz="2000" b="1">
+                <a:gradFill>
+                  <a:gsLst>
+                    <a:gs pos="0">
+                      <a:schemeClr val="accent1"/>
+                    </a:gs>
+                    <a:gs pos="100000">
+                      <a:schemeClr val="accent1">
+                        <a:lumMod val="50000"/>
+                      </a:schemeClr>
+                    </a:gs>
+                  </a:gsLst>
+                  <a:lin ang="5400000" scaled="1"/>
+                </a:gradFill>
+                <a:effectLst>
+                  <a:outerShdw blurRad="114300" sx="102000" sy="102000" algn="ctr" rotWithShape="0">
+                    <a:prstClr val="black">
+                      <a:alpha val="23000"/>
+                    </a:prstClr>
+                  </a:outerShdw>
+                </a:effectLst>
+                <a:latin typeface="Patrick Hand" panose="00000500000000000000" pitchFamily="2" charset="0"/>
+              </a:rPr>
+              <a:t>Đề tài 7: Tìm hiểu về mã hoá đối xứng, xây dựng chương trình mô phỏng AES</a:t>
+            </a:r>
+            <a:endParaRPr lang="id-ID" sz="2000" b="1" dirty="0">
+              <a:gradFill>
+                <a:gsLst>
+                  <a:gs pos="0">
+                    <a:schemeClr val="accent1"/>
+                  </a:gs>
+                  <a:gs pos="100000">
+                    <a:schemeClr val="accent1">
+                      <a:lumMod val="50000"/>
+                    </a:schemeClr>
+                  </a:gs>
+                </a:gsLst>
+                <a:lin ang="5400000" scaled="1"/>
+              </a:gradFill>
+              <a:effectLst>
+                <a:outerShdw blurRad="114300" sx="102000" sy="102000" algn="ctr" rotWithShape="0">
+                  <a:prstClr val="black">
+                    <a:alpha val="23000"/>
+                  </a:prstClr>
+                </a:outerShdw>
+              </a:effectLst>
+              <a:latin typeface="Patrick Hand" panose="00000500000000000000" pitchFamily="2" charset="0"/>
+            </a:endParaRPr>
+          </a:p>
+        </p:txBody>
+      </p:sp>
     </p:spTree>
     <p:extLst>
       <p:ext uri="{BB962C8B-B14F-4D97-AF65-F5344CB8AC3E}">
@@ -29531,8 +27613,8 @@
           </a:p>
         </p:txBody>
       </p:sp>
-      <mc:AlternateContent xmlns:mc="http://schemas.openxmlformats.org/markup-compatibility/2006">
-        <mc:Choice xmlns:p14="http://schemas.microsoft.com/office/powerpoint/2010/main" Requires="p14">
+      <mc:AlternateContent xmlns:mc="http://schemas.openxmlformats.org/markup-compatibility/2006" xmlns:p14="http://schemas.microsoft.com/office/powerpoint/2010/main">
+        <mc:Choice Requires="p14">
           <p:contentPart p14:bwMode="auto" r:id="rId2">
             <p14:nvContentPartPr>
               <p14:cNvPr id="25" name="Ink 24">
@@ -29551,7 +27633,7 @@
             </p14:xfrm>
           </p:contentPart>
         </mc:Choice>
-        <mc:Fallback>
+        <mc:Fallback xmlns="">
           <p:pic>
             <p:nvPicPr>
               <p:cNvPr id="25" name="Ink 24">
